--- a/doc/diagrams.pptx
+++ b/doc/diagrams.pptx
@@ -4464,42 +4464,6 @@
       </p:cxnSp>
       <p:sp>
         <p:nvSpPr>
-          <p:cNvPr id="67" name="Title 1">
-            <a:extLst>
-              <a:ext uri="{FF2B5EF4-FFF2-40B4-BE49-F238E27FC236}">
-                <a16:creationId xmlns:a16="http://schemas.microsoft.com/office/drawing/2014/main" id="{300351C8-C0BF-E2D5-1641-20F1BECE30F9}"/>
-              </a:ext>
-            </a:extLst>
-          </p:cNvPr>
-          <p:cNvSpPr>
-            <a:spLocks noGrp="1"/>
-          </p:cNvSpPr>
-          <p:nvPr>
-            <p:ph type="title"/>
-          </p:nvPr>
-        </p:nvSpPr>
-        <p:spPr>
-          <a:xfrm>
-            <a:off x="0" y="1"/>
-            <a:ext cx="12192000" cy="794528"/>
-          </a:xfrm>
-        </p:spPr>
-        <p:txBody>
-          <a:bodyPr>
-            <a:normAutofit/>
-          </a:bodyPr>
-          <a:lstStyle/>
-          <a:p>
-            <a:pPr algn="ctr"/>
-            <a:r>
-              <a:rPr lang="en-US" sz="2400" b="1" dirty="0"/>
-              <a:t>Images contain layers and/or images</a:t>
-            </a:r>
-          </a:p>
-        </p:txBody>
-      </p:sp>
-      <p:sp>
-        <p:nvSpPr>
           <p:cNvPr id="27" name="Rectangle 26">
             <a:extLst>
               <a:ext uri="{FF2B5EF4-FFF2-40B4-BE49-F238E27FC236}">

--- a/doc/diagrams.pptx
+++ b/doc/diagrams.pptx
@@ -3511,7 +3511,7 @@
         <p:spPr>
           <a:xfrm>
             <a:off x="8000999" y="3534434"/>
-            <a:ext cx="3387375" cy="369332"/>
+            <a:ext cx="3387375" cy="1477328"/>
           </a:xfrm>
           <a:prstGeom prst="rect">
             <a:avLst/>
@@ -3524,10 +3524,53 @@
           </a:bodyPr>
           <a:lstStyle/>
           <a:p>
-            <a:pPr algn="ctr"/>
             <a:r>
               <a:rPr lang="en-US" dirty="0"/>
-              <a:t>Final </a:t>
+              <a:t>Final image composite:</a:t>
+            </a:r>
+          </a:p>
+          <a:p>
+            <a:pPr marL="285750" indent="-285750">
+              <a:buFont typeface="Arial" panose="020B0604020202020204" pitchFamily="34" charset="0"/>
+              <a:buChar char="•"/>
+            </a:pPr>
+            <a:r>
+              <a:rPr lang="en-US" dirty="0"/>
+              <a:t>Circle image on</a:t>
+            </a:r>
+          </a:p>
+          <a:p>
+            <a:pPr marL="285750" indent="-285750">
+              <a:buFont typeface="Arial" panose="020B0604020202020204" pitchFamily="34" charset="0"/>
+              <a:buChar char="•"/>
+            </a:pPr>
+            <a:r>
+              <a:rPr lang="en-US" dirty="0" err="1"/>
+              <a:t>Paralellogram</a:t>
+            </a:r>
+            <a:r>
+              <a:rPr lang="en-US" dirty="0"/>
+              <a:t> image on</a:t>
+            </a:r>
+          </a:p>
+          <a:p>
+            <a:pPr marL="285750" indent="-285750">
+              <a:buFont typeface="Arial" panose="020B0604020202020204" pitchFamily="34" charset="0"/>
+              <a:buChar char="•"/>
+            </a:pPr>
+            <a:r>
+              <a:rPr lang="en-US" dirty="0"/>
+              <a:t>Title layer on</a:t>
+            </a:r>
+          </a:p>
+          <a:p>
+            <a:pPr marL="285750" indent="-285750">
+              <a:buFont typeface="Arial" panose="020B0604020202020204" pitchFamily="34" charset="0"/>
+              <a:buChar char="•"/>
+            </a:pPr>
+            <a:r>
+              <a:rPr lang="en-US" dirty="0"/>
+              <a:t>Background layer on </a:t>
             </a:r>
           </a:p>
         </p:txBody>

--- a/doc/diagrams.pptx
+++ b/doc/diagrams.pptx
@@ -3545,12 +3545,8 @@
               <a:buChar char="•"/>
             </a:pPr>
             <a:r>
-              <a:rPr lang="en-US" dirty="0" err="1"/>
-              <a:t>Paralellogram</a:t>
-            </a:r>
-            <a:r>
               <a:rPr lang="en-US" dirty="0"/>
-              <a:t> image on</a:t>
+              <a:t>Parallelogram image on</a:t>
             </a:r>
           </a:p>
           <a:p>

--- a/doc/diagrams.pptx
+++ b/doc/diagrams.pptx
@@ -2,18 +2,18 @@
 <file path=ppt/presentation.xml><?xml version="1.0" encoding="utf-8"?>
 <p:presentation xmlns:a="http://schemas.openxmlformats.org/drawingml/2006/main" xmlns:r="http://schemas.openxmlformats.org/officeDocument/2006/relationships" xmlns:p="http://schemas.openxmlformats.org/presentationml/2006/main" saveSubsetFonts="1" autoCompressPictures="0">
   <p:sldMasterIdLst>
-    <p:sldMasterId id="2147483648" r:id="rId1"/>
+    <p:sldMasterId id="2147483672" r:id="rId1"/>
   </p:sldMasterIdLst>
   <p:sldIdLst>
     <p:sldId id="260" r:id="rId2"/>
   </p:sldIdLst>
-  <p:sldSz cx="12192000" cy="6858000"/>
+  <p:sldSz cx="18288000" cy="6858000"/>
   <p:notesSz cx="6858000" cy="9144000"/>
   <p:defaultTextStyle>
     <a:defPPr>
       <a:defRPr lang="en-US"/>
     </a:defPPr>
-    <a:lvl1pPr marL="0" algn="l" defTabSz="914400" rtl="0" eaLnBrk="1" latinLnBrk="0" hangingPunct="1">
+    <a:lvl1pPr marL="0" algn="l" defTabSz="457200" rtl="0" eaLnBrk="1" latinLnBrk="0" hangingPunct="1">
       <a:defRPr sz="1800" kern="1200">
         <a:solidFill>
           <a:schemeClr val="tx1"/>
@@ -23,7 +23,7 @@
         <a:cs typeface="+mn-cs"/>
       </a:defRPr>
     </a:lvl1pPr>
-    <a:lvl2pPr marL="457200" algn="l" defTabSz="914400" rtl="0" eaLnBrk="1" latinLnBrk="0" hangingPunct="1">
+    <a:lvl2pPr marL="457200" algn="l" defTabSz="457200" rtl="0" eaLnBrk="1" latinLnBrk="0" hangingPunct="1">
       <a:defRPr sz="1800" kern="1200">
         <a:solidFill>
           <a:schemeClr val="tx1"/>
@@ -33,7 +33,7 @@
         <a:cs typeface="+mn-cs"/>
       </a:defRPr>
     </a:lvl2pPr>
-    <a:lvl3pPr marL="914400" algn="l" defTabSz="914400" rtl="0" eaLnBrk="1" latinLnBrk="0" hangingPunct="1">
+    <a:lvl3pPr marL="914400" algn="l" defTabSz="457200" rtl="0" eaLnBrk="1" latinLnBrk="0" hangingPunct="1">
       <a:defRPr sz="1800" kern="1200">
         <a:solidFill>
           <a:schemeClr val="tx1"/>
@@ -43,7 +43,7 @@
         <a:cs typeface="+mn-cs"/>
       </a:defRPr>
     </a:lvl3pPr>
-    <a:lvl4pPr marL="1371600" algn="l" defTabSz="914400" rtl="0" eaLnBrk="1" latinLnBrk="0" hangingPunct="1">
+    <a:lvl4pPr marL="1371600" algn="l" defTabSz="457200" rtl="0" eaLnBrk="1" latinLnBrk="0" hangingPunct="1">
       <a:defRPr sz="1800" kern="1200">
         <a:solidFill>
           <a:schemeClr val="tx1"/>
@@ -53,7 +53,7 @@
         <a:cs typeface="+mn-cs"/>
       </a:defRPr>
     </a:lvl4pPr>
-    <a:lvl5pPr marL="1828800" algn="l" defTabSz="914400" rtl="0" eaLnBrk="1" latinLnBrk="0" hangingPunct="1">
+    <a:lvl5pPr marL="1828800" algn="l" defTabSz="457200" rtl="0" eaLnBrk="1" latinLnBrk="0" hangingPunct="1">
       <a:defRPr sz="1800" kern="1200">
         <a:solidFill>
           <a:schemeClr val="tx1"/>
@@ -63,7 +63,7 @@
         <a:cs typeface="+mn-cs"/>
       </a:defRPr>
     </a:lvl5pPr>
-    <a:lvl6pPr marL="2286000" algn="l" defTabSz="914400" rtl="0" eaLnBrk="1" latinLnBrk="0" hangingPunct="1">
+    <a:lvl6pPr marL="2286000" algn="l" defTabSz="457200" rtl="0" eaLnBrk="1" latinLnBrk="0" hangingPunct="1">
       <a:defRPr sz="1800" kern="1200">
         <a:solidFill>
           <a:schemeClr val="tx1"/>
@@ -73,7 +73,7 @@
         <a:cs typeface="+mn-cs"/>
       </a:defRPr>
     </a:lvl6pPr>
-    <a:lvl7pPr marL="2743200" algn="l" defTabSz="914400" rtl="0" eaLnBrk="1" latinLnBrk="0" hangingPunct="1">
+    <a:lvl7pPr marL="2743200" algn="l" defTabSz="457200" rtl="0" eaLnBrk="1" latinLnBrk="0" hangingPunct="1">
       <a:defRPr sz="1800" kern="1200">
         <a:solidFill>
           <a:schemeClr val="tx1"/>
@@ -83,7 +83,7 @@
         <a:cs typeface="+mn-cs"/>
       </a:defRPr>
     </a:lvl7pPr>
-    <a:lvl8pPr marL="3200400" algn="l" defTabSz="914400" rtl="0" eaLnBrk="1" latinLnBrk="0" hangingPunct="1">
+    <a:lvl8pPr marL="3200400" algn="l" defTabSz="457200" rtl="0" eaLnBrk="1" latinLnBrk="0" hangingPunct="1">
       <a:defRPr sz="1800" kern="1200">
         <a:solidFill>
           <a:schemeClr val="tx1"/>
@@ -93,7 +93,7 @@
         <a:cs typeface="+mn-cs"/>
       </a:defRPr>
     </a:lvl8pPr>
-    <a:lvl9pPr marL="3657600" algn="l" defTabSz="914400" rtl="0" eaLnBrk="1" latinLnBrk="0" hangingPunct="1">
+    <a:lvl9pPr marL="3657600" algn="l" defTabSz="457200" rtl="0" eaLnBrk="1" latinLnBrk="0" hangingPunct="1">
       <a:defRPr sz="1800" kern="1200">
         <a:solidFill>
           <a:schemeClr val="tx1"/>
@@ -131,13 +131,7 @@
       </p:grpSpPr>
       <p:sp>
         <p:nvSpPr>
-          <p:cNvPr id="2" name="Title 1">
-            <a:extLst>
-              <a:ext uri="{FF2B5EF4-FFF2-40B4-BE49-F238E27FC236}">
-                <a16:creationId xmlns:a16="http://schemas.microsoft.com/office/drawing/2014/main" id="{A8CDBF1C-AA92-5F44-AEAD-8C7DAB53FF14}"/>
-              </a:ext>
-            </a:extLst>
-          </p:cNvPr>
+          <p:cNvPr id="2" name="Title 1"/>
           <p:cNvSpPr>
             <a:spLocks noGrp="1"/>
           </p:cNvSpPr>
@@ -147,8 +141,8 @@
         </p:nvSpPr>
         <p:spPr>
           <a:xfrm>
-            <a:off x="1524000" y="1122363"/>
-            <a:ext cx="9144000" cy="2387600"/>
+            <a:off x="2286000" y="1122363"/>
+            <a:ext cx="13716000" cy="2387600"/>
           </a:xfrm>
         </p:spPr>
         <p:txBody>
@@ -163,18 +157,13 @@
               <a:rPr lang="en-US"/>
               <a:t>Click to edit Master title style</a:t>
             </a:r>
-          </a:p>
-        </p:txBody>
-      </p:sp>
-      <p:sp>
-        <p:nvSpPr>
-          <p:cNvPr id="3" name="Subtitle 2">
-            <a:extLst>
-              <a:ext uri="{FF2B5EF4-FFF2-40B4-BE49-F238E27FC236}">
-                <a16:creationId xmlns:a16="http://schemas.microsoft.com/office/drawing/2014/main" id="{95F57B55-9EFD-394B-AD73-A51B822B521C}"/>
-              </a:ext>
-            </a:extLst>
-          </p:cNvPr>
+            <a:endParaRPr lang="en-US" dirty="0"/>
+          </a:p>
+        </p:txBody>
+      </p:sp>
+      <p:sp>
+        <p:nvSpPr>
+          <p:cNvPr id="3" name="Subtitle 2"/>
           <p:cNvSpPr>
             <a:spLocks noGrp="1"/>
           </p:cNvSpPr>
@@ -184,8 +173,8 @@
         </p:nvSpPr>
         <p:spPr>
           <a:xfrm>
-            <a:off x="1524000" y="3602038"/>
-            <a:ext cx="9144000" cy="1655762"/>
+            <a:off x="2286000" y="3602038"/>
+            <a:ext cx="13716000" cy="1655762"/>
           </a:xfrm>
         </p:spPr>
         <p:txBody>
@@ -233,18 +222,13 @@
               <a:rPr lang="en-US"/>
               <a:t>Click to edit Master subtitle style</a:t>
             </a:r>
-          </a:p>
-        </p:txBody>
-      </p:sp>
-      <p:sp>
-        <p:nvSpPr>
-          <p:cNvPr id="4" name="Date Placeholder 3">
-            <a:extLst>
-              <a:ext uri="{FF2B5EF4-FFF2-40B4-BE49-F238E27FC236}">
-                <a16:creationId xmlns:a16="http://schemas.microsoft.com/office/drawing/2014/main" id="{6292370A-00E2-7E44-B8A9-6F6F47E8FD73}"/>
-              </a:ext>
-            </a:extLst>
-          </p:cNvPr>
+            <a:endParaRPr lang="en-US" dirty="0"/>
+          </a:p>
+        </p:txBody>
+      </p:sp>
+      <p:sp>
+        <p:nvSpPr>
+          <p:cNvPr id="4" name="Date Placeholder 3"/>
           <p:cNvSpPr>
             <a:spLocks noGrp="1"/>
           </p:cNvSpPr>
@@ -259,7 +243,7 @@
           <a:p>
             <a:fld id="{86FB3B22-72C6-954B-B5E8-70C9458D357E}" type="datetimeFigureOut">
               <a:rPr lang="en-US" smtClean="0"/>
-              <a:t>4/28/22</a:t>
+              <a:t>6/1/22</a:t>
             </a:fld>
             <a:endParaRPr lang="en-US"/>
           </a:p>
@@ -267,13 +251,7 @@
       </p:sp>
       <p:sp>
         <p:nvSpPr>
-          <p:cNvPr id="5" name="Footer Placeholder 4">
-            <a:extLst>
-              <a:ext uri="{FF2B5EF4-FFF2-40B4-BE49-F238E27FC236}">
-                <a16:creationId xmlns:a16="http://schemas.microsoft.com/office/drawing/2014/main" id="{F7FD7CF4-9C7E-124D-87B9-7CD3093EB49C}"/>
-              </a:ext>
-            </a:extLst>
-          </p:cNvPr>
+          <p:cNvPr id="5" name="Footer Placeholder 4"/>
           <p:cNvSpPr>
             <a:spLocks noGrp="1"/>
           </p:cNvSpPr>
@@ -292,13 +270,7 @@
       </p:sp>
       <p:sp>
         <p:nvSpPr>
-          <p:cNvPr id="6" name="Slide Number Placeholder 5">
-            <a:extLst>
-              <a:ext uri="{FF2B5EF4-FFF2-40B4-BE49-F238E27FC236}">
-                <a16:creationId xmlns:a16="http://schemas.microsoft.com/office/drawing/2014/main" id="{37DB0A45-974F-6A42-BAF8-9053E8B1CF85}"/>
-              </a:ext>
-            </a:extLst>
-          </p:cNvPr>
+          <p:cNvPr id="6" name="Slide Number Placeholder 5"/>
           <p:cNvSpPr>
             <a:spLocks noGrp="1"/>
           </p:cNvSpPr>
@@ -322,7 +294,7 @@
     </p:spTree>
     <p:extLst>
       <p:ext uri="{BB962C8B-B14F-4D97-AF65-F5344CB8AC3E}">
-        <p14:creationId xmlns:p14="http://schemas.microsoft.com/office/powerpoint/2010/main" val="2932503008"/>
+        <p14:creationId xmlns:p14="http://schemas.microsoft.com/office/powerpoint/2010/main" val="1766647200"/>
       </p:ext>
     </p:extLst>
   </p:cSld>
@@ -351,13 +323,7 @@
       </p:grpSpPr>
       <p:sp>
         <p:nvSpPr>
-          <p:cNvPr id="2" name="Title 1">
-            <a:extLst>
-              <a:ext uri="{FF2B5EF4-FFF2-40B4-BE49-F238E27FC236}">
-                <a16:creationId xmlns:a16="http://schemas.microsoft.com/office/drawing/2014/main" id="{970508D3-CA6D-4F48-9BB3-40809890DEEE}"/>
-              </a:ext>
-            </a:extLst>
-          </p:cNvPr>
+          <p:cNvPr id="2" name="Title 1"/>
           <p:cNvSpPr>
             <a:spLocks noGrp="1"/>
           </p:cNvSpPr>
@@ -374,18 +340,13 @@
               <a:rPr lang="en-US"/>
               <a:t>Click to edit Master title style</a:t>
             </a:r>
-          </a:p>
-        </p:txBody>
-      </p:sp>
-      <p:sp>
-        <p:nvSpPr>
-          <p:cNvPr id="3" name="Vertical Text Placeholder 2">
-            <a:extLst>
-              <a:ext uri="{FF2B5EF4-FFF2-40B4-BE49-F238E27FC236}">
-                <a16:creationId xmlns:a16="http://schemas.microsoft.com/office/drawing/2014/main" id="{E7EBFFCB-A82D-744F-8D0E-5D63419C792F}"/>
-              </a:ext>
-            </a:extLst>
-          </p:cNvPr>
+            <a:endParaRPr lang="en-US" dirty="0"/>
+          </a:p>
+        </p:txBody>
+      </p:sp>
+      <p:sp>
+        <p:nvSpPr>
+          <p:cNvPr id="3" name="Vertical Text Placeholder 2"/>
           <p:cNvSpPr>
             <a:spLocks noGrp="1"/>
           </p:cNvSpPr>
@@ -431,18 +392,13 @@
               <a:rPr lang="en-US"/>
               <a:t>Fifth level</a:t>
             </a:r>
-          </a:p>
-        </p:txBody>
-      </p:sp>
-      <p:sp>
-        <p:nvSpPr>
-          <p:cNvPr id="4" name="Date Placeholder 3">
-            <a:extLst>
-              <a:ext uri="{FF2B5EF4-FFF2-40B4-BE49-F238E27FC236}">
-                <a16:creationId xmlns:a16="http://schemas.microsoft.com/office/drawing/2014/main" id="{5E295FBB-2667-D348-BBFD-D575993DE143}"/>
-              </a:ext>
-            </a:extLst>
-          </p:cNvPr>
+            <a:endParaRPr lang="en-US" dirty="0"/>
+          </a:p>
+        </p:txBody>
+      </p:sp>
+      <p:sp>
+        <p:nvSpPr>
+          <p:cNvPr id="4" name="Date Placeholder 3"/>
           <p:cNvSpPr>
             <a:spLocks noGrp="1"/>
           </p:cNvSpPr>
@@ -457,7 +413,7 @@
           <a:p>
             <a:fld id="{86FB3B22-72C6-954B-B5E8-70C9458D357E}" type="datetimeFigureOut">
               <a:rPr lang="en-US" smtClean="0"/>
-              <a:t>4/28/22</a:t>
+              <a:t>6/1/22</a:t>
             </a:fld>
             <a:endParaRPr lang="en-US"/>
           </a:p>
@@ -465,13 +421,7 @@
       </p:sp>
       <p:sp>
         <p:nvSpPr>
-          <p:cNvPr id="5" name="Footer Placeholder 4">
-            <a:extLst>
-              <a:ext uri="{FF2B5EF4-FFF2-40B4-BE49-F238E27FC236}">
-                <a16:creationId xmlns:a16="http://schemas.microsoft.com/office/drawing/2014/main" id="{EEBD9AEC-CD18-B74A-B4C6-77C89C16BF4C}"/>
-              </a:ext>
-            </a:extLst>
-          </p:cNvPr>
+          <p:cNvPr id="5" name="Footer Placeholder 4"/>
           <p:cNvSpPr>
             <a:spLocks noGrp="1"/>
           </p:cNvSpPr>
@@ -490,13 +440,7 @@
       </p:sp>
       <p:sp>
         <p:nvSpPr>
-          <p:cNvPr id="6" name="Slide Number Placeholder 5">
-            <a:extLst>
-              <a:ext uri="{FF2B5EF4-FFF2-40B4-BE49-F238E27FC236}">
-                <a16:creationId xmlns:a16="http://schemas.microsoft.com/office/drawing/2014/main" id="{DB0C955A-57A3-4E4A-A015-FE9A537A458A}"/>
-              </a:ext>
-            </a:extLst>
-          </p:cNvPr>
+          <p:cNvPr id="6" name="Slide Number Placeholder 5"/>
           <p:cNvSpPr>
             <a:spLocks noGrp="1"/>
           </p:cNvSpPr>
@@ -520,7 +464,7 @@
     </p:spTree>
     <p:extLst>
       <p:ext uri="{BB962C8B-B14F-4D97-AF65-F5344CB8AC3E}">
-        <p14:creationId xmlns:p14="http://schemas.microsoft.com/office/powerpoint/2010/main" val="1155197903"/>
+        <p14:creationId xmlns:p14="http://schemas.microsoft.com/office/powerpoint/2010/main" val="474580663"/>
       </p:ext>
     </p:extLst>
   </p:cSld>
@@ -549,13 +493,7 @@
       </p:grpSpPr>
       <p:sp>
         <p:nvSpPr>
-          <p:cNvPr id="2" name="Vertical Title 1">
-            <a:extLst>
-              <a:ext uri="{FF2B5EF4-FFF2-40B4-BE49-F238E27FC236}">
-                <a16:creationId xmlns:a16="http://schemas.microsoft.com/office/drawing/2014/main" id="{FAFA0252-28DA-9841-9605-94DC1D1696D6}"/>
-              </a:ext>
-            </a:extLst>
-          </p:cNvPr>
+          <p:cNvPr id="2" name="Vertical Title 1"/>
           <p:cNvSpPr>
             <a:spLocks noGrp="1"/>
           </p:cNvSpPr>
@@ -565,8 +503,8 @@
         </p:nvSpPr>
         <p:spPr>
           <a:xfrm>
-            <a:off x="8724900" y="365125"/>
-            <a:ext cx="2628900" cy="5811838"/>
+            <a:off x="13087350" y="365125"/>
+            <a:ext cx="3943350" cy="5811838"/>
           </a:xfrm>
         </p:spPr>
         <p:txBody>
@@ -577,18 +515,13 @@
               <a:rPr lang="en-US"/>
               <a:t>Click to edit Master title style</a:t>
             </a:r>
-          </a:p>
-        </p:txBody>
-      </p:sp>
-      <p:sp>
-        <p:nvSpPr>
-          <p:cNvPr id="3" name="Vertical Text Placeholder 2">
-            <a:extLst>
-              <a:ext uri="{FF2B5EF4-FFF2-40B4-BE49-F238E27FC236}">
-                <a16:creationId xmlns:a16="http://schemas.microsoft.com/office/drawing/2014/main" id="{CA39E4B3-139E-8B42-BA39-6726D931ABF9}"/>
-              </a:ext>
-            </a:extLst>
-          </p:cNvPr>
+            <a:endParaRPr lang="en-US" dirty="0"/>
+          </a:p>
+        </p:txBody>
+      </p:sp>
+      <p:sp>
+        <p:nvSpPr>
+          <p:cNvPr id="3" name="Vertical Text Placeholder 2"/>
           <p:cNvSpPr>
             <a:spLocks noGrp="1"/>
           </p:cNvSpPr>
@@ -598,8 +531,8 @@
         </p:nvSpPr>
         <p:spPr>
           <a:xfrm>
-            <a:off x="838200" y="365125"/>
-            <a:ext cx="7734300" cy="5811838"/>
+            <a:off x="1257300" y="365125"/>
+            <a:ext cx="11601450" cy="5811838"/>
           </a:xfrm>
         </p:spPr>
         <p:txBody>
@@ -639,18 +572,13 @@
               <a:rPr lang="en-US"/>
               <a:t>Fifth level</a:t>
             </a:r>
-          </a:p>
-        </p:txBody>
-      </p:sp>
-      <p:sp>
-        <p:nvSpPr>
-          <p:cNvPr id="4" name="Date Placeholder 3">
-            <a:extLst>
-              <a:ext uri="{FF2B5EF4-FFF2-40B4-BE49-F238E27FC236}">
-                <a16:creationId xmlns:a16="http://schemas.microsoft.com/office/drawing/2014/main" id="{EA4FA299-FFA3-4140-93D6-F661C0D4240B}"/>
-              </a:ext>
-            </a:extLst>
-          </p:cNvPr>
+            <a:endParaRPr lang="en-US" dirty="0"/>
+          </a:p>
+        </p:txBody>
+      </p:sp>
+      <p:sp>
+        <p:nvSpPr>
+          <p:cNvPr id="4" name="Date Placeholder 3"/>
           <p:cNvSpPr>
             <a:spLocks noGrp="1"/>
           </p:cNvSpPr>
@@ -665,7 +593,7 @@
           <a:p>
             <a:fld id="{86FB3B22-72C6-954B-B5E8-70C9458D357E}" type="datetimeFigureOut">
               <a:rPr lang="en-US" smtClean="0"/>
-              <a:t>4/28/22</a:t>
+              <a:t>6/1/22</a:t>
             </a:fld>
             <a:endParaRPr lang="en-US"/>
           </a:p>
@@ -673,13 +601,7 @@
       </p:sp>
       <p:sp>
         <p:nvSpPr>
-          <p:cNvPr id="5" name="Footer Placeholder 4">
-            <a:extLst>
-              <a:ext uri="{FF2B5EF4-FFF2-40B4-BE49-F238E27FC236}">
-                <a16:creationId xmlns:a16="http://schemas.microsoft.com/office/drawing/2014/main" id="{ED40C8AD-6163-1049-8607-6B379904394B}"/>
-              </a:ext>
-            </a:extLst>
-          </p:cNvPr>
+          <p:cNvPr id="5" name="Footer Placeholder 4"/>
           <p:cNvSpPr>
             <a:spLocks noGrp="1"/>
           </p:cNvSpPr>
@@ -698,13 +620,7 @@
       </p:sp>
       <p:sp>
         <p:nvSpPr>
-          <p:cNvPr id="6" name="Slide Number Placeholder 5">
-            <a:extLst>
-              <a:ext uri="{FF2B5EF4-FFF2-40B4-BE49-F238E27FC236}">
-                <a16:creationId xmlns:a16="http://schemas.microsoft.com/office/drawing/2014/main" id="{F8937CAB-9460-C34C-BD27-F3EFBCEBB34F}"/>
-              </a:ext>
-            </a:extLst>
-          </p:cNvPr>
+          <p:cNvPr id="6" name="Slide Number Placeholder 5"/>
           <p:cNvSpPr>
             <a:spLocks noGrp="1"/>
           </p:cNvSpPr>
@@ -728,7 +644,7 @@
     </p:spTree>
     <p:extLst>
       <p:ext uri="{BB962C8B-B14F-4D97-AF65-F5344CB8AC3E}">
-        <p14:creationId xmlns:p14="http://schemas.microsoft.com/office/powerpoint/2010/main" val="2674790898"/>
+        <p14:creationId xmlns:p14="http://schemas.microsoft.com/office/powerpoint/2010/main" val="2446615734"/>
       </p:ext>
     </p:extLst>
   </p:cSld>
@@ -757,13 +673,7 @@
       </p:grpSpPr>
       <p:sp>
         <p:nvSpPr>
-          <p:cNvPr id="2" name="Title 1">
-            <a:extLst>
-              <a:ext uri="{FF2B5EF4-FFF2-40B4-BE49-F238E27FC236}">
-                <a16:creationId xmlns:a16="http://schemas.microsoft.com/office/drawing/2014/main" id="{F3D9073A-38C3-FF43-BB6C-FF7650609C14}"/>
-              </a:ext>
-            </a:extLst>
-          </p:cNvPr>
+          <p:cNvPr id="2" name="Title 1"/>
           <p:cNvSpPr>
             <a:spLocks noGrp="1"/>
           </p:cNvSpPr>
@@ -780,18 +690,13 @@
               <a:rPr lang="en-US"/>
               <a:t>Click to edit Master title style</a:t>
             </a:r>
-          </a:p>
-        </p:txBody>
-      </p:sp>
-      <p:sp>
-        <p:nvSpPr>
-          <p:cNvPr id="3" name="Content Placeholder 2">
-            <a:extLst>
-              <a:ext uri="{FF2B5EF4-FFF2-40B4-BE49-F238E27FC236}">
-                <a16:creationId xmlns:a16="http://schemas.microsoft.com/office/drawing/2014/main" id="{D7C68B2E-11EB-0E40-B699-B59224F16A9F}"/>
-              </a:ext>
-            </a:extLst>
-          </p:cNvPr>
+            <a:endParaRPr lang="en-US" dirty="0"/>
+          </a:p>
+        </p:txBody>
+      </p:sp>
+      <p:sp>
+        <p:nvSpPr>
+          <p:cNvPr id="3" name="Content Placeholder 2"/>
           <p:cNvSpPr>
             <a:spLocks noGrp="1"/>
           </p:cNvSpPr>
@@ -837,18 +742,13 @@
               <a:rPr lang="en-US"/>
               <a:t>Fifth level</a:t>
             </a:r>
-          </a:p>
-        </p:txBody>
-      </p:sp>
-      <p:sp>
-        <p:nvSpPr>
-          <p:cNvPr id="4" name="Date Placeholder 3">
-            <a:extLst>
-              <a:ext uri="{FF2B5EF4-FFF2-40B4-BE49-F238E27FC236}">
-                <a16:creationId xmlns:a16="http://schemas.microsoft.com/office/drawing/2014/main" id="{DB3CC0E7-A7A7-DE45-94BE-DFDE783EA792}"/>
-              </a:ext>
-            </a:extLst>
-          </p:cNvPr>
+            <a:endParaRPr lang="en-US" dirty="0"/>
+          </a:p>
+        </p:txBody>
+      </p:sp>
+      <p:sp>
+        <p:nvSpPr>
+          <p:cNvPr id="4" name="Date Placeholder 3"/>
           <p:cNvSpPr>
             <a:spLocks noGrp="1"/>
           </p:cNvSpPr>
@@ -863,7 +763,7 @@
           <a:p>
             <a:fld id="{86FB3B22-72C6-954B-B5E8-70C9458D357E}" type="datetimeFigureOut">
               <a:rPr lang="en-US" smtClean="0"/>
-              <a:t>4/28/22</a:t>
+              <a:t>6/1/22</a:t>
             </a:fld>
             <a:endParaRPr lang="en-US"/>
           </a:p>
@@ -871,13 +771,7 @@
       </p:sp>
       <p:sp>
         <p:nvSpPr>
-          <p:cNvPr id="5" name="Footer Placeholder 4">
-            <a:extLst>
-              <a:ext uri="{FF2B5EF4-FFF2-40B4-BE49-F238E27FC236}">
-                <a16:creationId xmlns:a16="http://schemas.microsoft.com/office/drawing/2014/main" id="{5F7CC08A-CF04-4349-B22C-DAA1D4C50EA8}"/>
-              </a:ext>
-            </a:extLst>
-          </p:cNvPr>
+          <p:cNvPr id="5" name="Footer Placeholder 4"/>
           <p:cNvSpPr>
             <a:spLocks noGrp="1"/>
           </p:cNvSpPr>
@@ -896,13 +790,7 @@
       </p:sp>
       <p:sp>
         <p:nvSpPr>
-          <p:cNvPr id="6" name="Slide Number Placeholder 5">
-            <a:extLst>
-              <a:ext uri="{FF2B5EF4-FFF2-40B4-BE49-F238E27FC236}">
-                <a16:creationId xmlns:a16="http://schemas.microsoft.com/office/drawing/2014/main" id="{68BFA3CB-5F5F-6247-ADC4-D8A1A0F0E463}"/>
-              </a:ext>
-            </a:extLst>
-          </p:cNvPr>
+          <p:cNvPr id="6" name="Slide Number Placeholder 5"/>
           <p:cNvSpPr>
             <a:spLocks noGrp="1"/>
           </p:cNvSpPr>
@@ -926,7 +814,7 @@
     </p:spTree>
     <p:extLst>
       <p:ext uri="{BB962C8B-B14F-4D97-AF65-F5344CB8AC3E}">
-        <p14:creationId xmlns:p14="http://schemas.microsoft.com/office/powerpoint/2010/main" val="2575704886"/>
+        <p14:creationId xmlns:p14="http://schemas.microsoft.com/office/powerpoint/2010/main" val="1834125406"/>
       </p:ext>
     </p:extLst>
   </p:cSld>
@@ -955,13 +843,7 @@
       </p:grpSpPr>
       <p:sp>
         <p:nvSpPr>
-          <p:cNvPr id="2" name="Title 1">
-            <a:extLst>
-              <a:ext uri="{FF2B5EF4-FFF2-40B4-BE49-F238E27FC236}">
-                <a16:creationId xmlns:a16="http://schemas.microsoft.com/office/drawing/2014/main" id="{D9824C16-33CC-7347-977F-EBDECDD4A724}"/>
-              </a:ext>
-            </a:extLst>
-          </p:cNvPr>
+          <p:cNvPr id="2" name="Title 1"/>
           <p:cNvSpPr>
             <a:spLocks noGrp="1"/>
           </p:cNvSpPr>
@@ -971,8 +853,8 @@
         </p:nvSpPr>
         <p:spPr>
           <a:xfrm>
-            <a:off x="831850" y="1709738"/>
-            <a:ext cx="10515600" cy="2852737"/>
+            <a:off x="1247775" y="1709739"/>
+            <a:ext cx="15773400" cy="2852737"/>
           </a:xfrm>
         </p:spPr>
         <p:txBody>
@@ -987,18 +869,13 @@
               <a:rPr lang="en-US"/>
               <a:t>Click to edit Master title style</a:t>
             </a:r>
-          </a:p>
-        </p:txBody>
-      </p:sp>
-      <p:sp>
-        <p:nvSpPr>
-          <p:cNvPr id="3" name="Text Placeholder 2">
-            <a:extLst>
-              <a:ext uri="{FF2B5EF4-FFF2-40B4-BE49-F238E27FC236}">
-                <a16:creationId xmlns:a16="http://schemas.microsoft.com/office/drawing/2014/main" id="{3DA39E95-12C5-FA47-AAA4-7A99402F7953}"/>
-              </a:ext>
-            </a:extLst>
-          </p:cNvPr>
+            <a:endParaRPr lang="en-US" dirty="0"/>
+          </a:p>
+        </p:txBody>
+      </p:sp>
+      <p:sp>
+        <p:nvSpPr>
+          <p:cNvPr id="3" name="Text Placeholder 2"/>
           <p:cNvSpPr>
             <a:spLocks noGrp="1"/>
           </p:cNvSpPr>
@@ -1008,8 +885,8 @@
         </p:nvSpPr>
         <p:spPr>
           <a:xfrm>
-            <a:off x="831850" y="4589463"/>
-            <a:ext cx="10515600" cy="1500187"/>
+            <a:off x="1247775" y="4589464"/>
+            <a:ext cx="15773400" cy="1500187"/>
           </a:xfrm>
         </p:spPr>
         <p:txBody>
@@ -1117,13 +994,7 @@
       </p:sp>
       <p:sp>
         <p:nvSpPr>
-          <p:cNvPr id="4" name="Date Placeholder 3">
-            <a:extLst>
-              <a:ext uri="{FF2B5EF4-FFF2-40B4-BE49-F238E27FC236}">
-                <a16:creationId xmlns:a16="http://schemas.microsoft.com/office/drawing/2014/main" id="{AF51A4FD-B05F-BF44-99A1-24197C14F800}"/>
-              </a:ext>
-            </a:extLst>
-          </p:cNvPr>
+          <p:cNvPr id="4" name="Date Placeholder 3"/>
           <p:cNvSpPr>
             <a:spLocks noGrp="1"/>
           </p:cNvSpPr>
@@ -1138,7 +1009,7 @@
           <a:p>
             <a:fld id="{86FB3B22-72C6-954B-B5E8-70C9458D357E}" type="datetimeFigureOut">
               <a:rPr lang="en-US" smtClean="0"/>
-              <a:t>4/28/22</a:t>
+              <a:t>6/1/22</a:t>
             </a:fld>
             <a:endParaRPr lang="en-US"/>
           </a:p>
@@ -1146,13 +1017,7 @@
       </p:sp>
       <p:sp>
         <p:nvSpPr>
-          <p:cNvPr id="5" name="Footer Placeholder 4">
-            <a:extLst>
-              <a:ext uri="{FF2B5EF4-FFF2-40B4-BE49-F238E27FC236}">
-                <a16:creationId xmlns:a16="http://schemas.microsoft.com/office/drawing/2014/main" id="{3B2F5AC6-CF5A-EC47-B74E-1C79AAD0654A}"/>
-              </a:ext>
-            </a:extLst>
-          </p:cNvPr>
+          <p:cNvPr id="5" name="Footer Placeholder 4"/>
           <p:cNvSpPr>
             <a:spLocks noGrp="1"/>
           </p:cNvSpPr>
@@ -1171,13 +1036,7 @@
       </p:sp>
       <p:sp>
         <p:nvSpPr>
-          <p:cNvPr id="6" name="Slide Number Placeholder 5">
-            <a:extLst>
-              <a:ext uri="{FF2B5EF4-FFF2-40B4-BE49-F238E27FC236}">
-                <a16:creationId xmlns:a16="http://schemas.microsoft.com/office/drawing/2014/main" id="{294B1CBC-A4C6-1344-91DA-1566CC28D013}"/>
-              </a:ext>
-            </a:extLst>
-          </p:cNvPr>
+          <p:cNvPr id="6" name="Slide Number Placeholder 5"/>
           <p:cNvSpPr>
             <a:spLocks noGrp="1"/>
           </p:cNvSpPr>
@@ -1201,7 +1060,7 @@
     </p:spTree>
     <p:extLst>
       <p:ext uri="{BB962C8B-B14F-4D97-AF65-F5344CB8AC3E}">
-        <p14:creationId xmlns:p14="http://schemas.microsoft.com/office/powerpoint/2010/main" val="963342903"/>
+        <p14:creationId xmlns:p14="http://schemas.microsoft.com/office/powerpoint/2010/main" val="114221505"/>
       </p:ext>
     </p:extLst>
   </p:cSld>
@@ -1230,13 +1089,7 @@
       </p:grpSpPr>
       <p:sp>
         <p:nvSpPr>
-          <p:cNvPr id="2" name="Title 1">
-            <a:extLst>
-              <a:ext uri="{FF2B5EF4-FFF2-40B4-BE49-F238E27FC236}">
-                <a16:creationId xmlns:a16="http://schemas.microsoft.com/office/drawing/2014/main" id="{9CF847FF-AF95-F448-84AF-E244CDC1D347}"/>
-              </a:ext>
-            </a:extLst>
-          </p:cNvPr>
+          <p:cNvPr id="2" name="Title 1"/>
           <p:cNvSpPr>
             <a:spLocks noGrp="1"/>
           </p:cNvSpPr>
@@ -1253,18 +1106,13 @@
               <a:rPr lang="en-US"/>
               <a:t>Click to edit Master title style</a:t>
             </a:r>
-          </a:p>
-        </p:txBody>
-      </p:sp>
-      <p:sp>
-        <p:nvSpPr>
-          <p:cNvPr id="3" name="Content Placeholder 2">
-            <a:extLst>
-              <a:ext uri="{FF2B5EF4-FFF2-40B4-BE49-F238E27FC236}">
-                <a16:creationId xmlns:a16="http://schemas.microsoft.com/office/drawing/2014/main" id="{E31AFB90-55F0-9E4B-944C-29F341E25AF9}"/>
-              </a:ext>
-            </a:extLst>
-          </p:cNvPr>
+            <a:endParaRPr lang="en-US" dirty="0"/>
+          </a:p>
+        </p:txBody>
+      </p:sp>
+      <p:sp>
+        <p:nvSpPr>
+          <p:cNvPr id="3" name="Content Placeholder 2"/>
           <p:cNvSpPr>
             <a:spLocks noGrp="1"/>
           </p:cNvSpPr>
@@ -1274,8 +1122,8 @@
         </p:nvSpPr>
         <p:spPr>
           <a:xfrm>
-            <a:off x="838200" y="1825625"/>
-            <a:ext cx="5181600" cy="4351338"/>
+            <a:off x="1257300" y="1825625"/>
+            <a:ext cx="7772400" cy="4351338"/>
           </a:xfrm>
         </p:spPr>
         <p:txBody>
@@ -1315,18 +1163,13 @@
               <a:rPr lang="en-US"/>
               <a:t>Fifth level</a:t>
             </a:r>
-          </a:p>
-        </p:txBody>
-      </p:sp>
-      <p:sp>
-        <p:nvSpPr>
-          <p:cNvPr id="4" name="Content Placeholder 3">
-            <a:extLst>
-              <a:ext uri="{FF2B5EF4-FFF2-40B4-BE49-F238E27FC236}">
-                <a16:creationId xmlns:a16="http://schemas.microsoft.com/office/drawing/2014/main" id="{63E48A3F-0427-6042-A45F-7DC3EEC7498A}"/>
-              </a:ext>
-            </a:extLst>
-          </p:cNvPr>
+            <a:endParaRPr lang="en-US" dirty="0"/>
+          </a:p>
+        </p:txBody>
+      </p:sp>
+      <p:sp>
+        <p:nvSpPr>
+          <p:cNvPr id="4" name="Content Placeholder 3"/>
           <p:cNvSpPr>
             <a:spLocks noGrp="1"/>
           </p:cNvSpPr>
@@ -1336,8 +1179,8 @@
         </p:nvSpPr>
         <p:spPr>
           <a:xfrm>
-            <a:off x="6172200" y="1825625"/>
-            <a:ext cx="5181600" cy="4351338"/>
+            <a:off x="9258300" y="1825625"/>
+            <a:ext cx="7772400" cy="4351338"/>
           </a:xfrm>
         </p:spPr>
         <p:txBody>
@@ -1377,18 +1220,13 @@
               <a:rPr lang="en-US"/>
               <a:t>Fifth level</a:t>
             </a:r>
-          </a:p>
-        </p:txBody>
-      </p:sp>
-      <p:sp>
-        <p:nvSpPr>
-          <p:cNvPr id="5" name="Date Placeholder 4">
-            <a:extLst>
-              <a:ext uri="{FF2B5EF4-FFF2-40B4-BE49-F238E27FC236}">
-                <a16:creationId xmlns:a16="http://schemas.microsoft.com/office/drawing/2014/main" id="{5AC27FC6-488A-9245-BBEE-B50B2CC868AA}"/>
-              </a:ext>
-            </a:extLst>
-          </p:cNvPr>
+            <a:endParaRPr lang="en-US" dirty="0"/>
+          </a:p>
+        </p:txBody>
+      </p:sp>
+      <p:sp>
+        <p:nvSpPr>
+          <p:cNvPr id="5" name="Date Placeholder 4"/>
           <p:cNvSpPr>
             <a:spLocks noGrp="1"/>
           </p:cNvSpPr>
@@ -1403,7 +1241,7 @@
           <a:p>
             <a:fld id="{86FB3B22-72C6-954B-B5E8-70C9458D357E}" type="datetimeFigureOut">
               <a:rPr lang="en-US" smtClean="0"/>
-              <a:t>4/28/22</a:t>
+              <a:t>6/1/22</a:t>
             </a:fld>
             <a:endParaRPr lang="en-US"/>
           </a:p>
@@ -1411,13 +1249,7 @@
       </p:sp>
       <p:sp>
         <p:nvSpPr>
-          <p:cNvPr id="6" name="Footer Placeholder 5">
-            <a:extLst>
-              <a:ext uri="{FF2B5EF4-FFF2-40B4-BE49-F238E27FC236}">
-                <a16:creationId xmlns:a16="http://schemas.microsoft.com/office/drawing/2014/main" id="{45B30869-E41A-4E41-BE50-7042C18928D3}"/>
-              </a:ext>
-            </a:extLst>
-          </p:cNvPr>
+          <p:cNvPr id="6" name="Footer Placeholder 5"/>
           <p:cNvSpPr>
             <a:spLocks noGrp="1"/>
           </p:cNvSpPr>
@@ -1436,13 +1268,7 @@
       </p:sp>
       <p:sp>
         <p:nvSpPr>
-          <p:cNvPr id="7" name="Slide Number Placeholder 6">
-            <a:extLst>
-              <a:ext uri="{FF2B5EF4-FFF2-40B4-BE49-F238E27FC236}">
-                <a16:creationId xmlns:a16="http://schemas.microsoft.com/office/drawing/2014/main" id="{6D792E40-0111-4F40-BA08-9D16569A75B0}"/>
-              </a:ext>
-            </a:extLst>
-          </p:cNvPr>
+          <p:cNvPr id="7" name="Slide Number Placeholder 6"/>
           <p:cNvSpPr>
             <a:spLocks noGrp="1"/>
           </p:cNvSpPr>
@@ -1466,7 +1292,7 @@
     </p:spTree>
     <p:extLst>
       <p:ext uri="{BB962C8B-B14F-4D97-AF65-F5344CB8AC3E}">
-        <p14:creationId xmlns:p14="http://schemas.microsoft.com/office/powerpoint/2010/main" val="2807964312"/>
+        <p14:creationId xmlns:p14="http://schemas.microsoft.com/office/powerpoint/2010/main" val="1746532194"/>
       </p:ext>
     </p:extLst>
   </p:cSld>
@@ -1495,13 +1321,7 @@
       </p:grpSpPr>
       <p:sp>
         <p:nvSpPr>
-          <p:cNvPr id="2" name="Title 1">
-            <a:extLst>
-              <a:ext uri="{FF2B5EF4-FFF2-40B4-BE49-F238E27FC236}">
-                <a16:creationId xmlns:a16="http://schemas.microsoft.com/office/drawing/2014/main" id="{20540F71-3793-7543-8150-073647E3AD54}"/>
-              </a:ext>
-            </a:extLst>
-          </p:cNvPr>
+          <p:cNvPr id="2" name="Title 1"/>
           <p:cNvSpPr>
             <a:spLocks noGrp="1"/>
           </p:cNvSpPr>
@@ -1511,8 +1331,8 @@
         </p:nvSpPr>
         <p:spPr>
           <a:xfrm>
-            <a:off x="839788" y="365125"/>
-            <a:ext cx="10515600" cy="1325563"/>
+            <a:off x="1259682" y="365126"/>
+            <a:ext cx="15773400" cy="1325563"/>
           </a:xfrm>
         </p:spPr>
         <p:txBody>
@@ -1523,18 +1343,13 @@
               <a:rPr lang="en-US"/>
               <a:t>Click to edit Master title style</a:t>
             </a:r>
-          </a:p>
-        </p:txBody>
-      </p:sp>
-      <p:sp>
-        <p:nvSpPr>
-          <p:cNvPr id="3" name="Text Placeholder 2">
-            <a:extLst>
-              <a:ext uri="{FF2B5EF4-FFF2-40B4-BE49-F238E27FC236}">
-                <a16:creationId xmlns:a16="http://schemas.microsoft.com/office/drawing/2014/main" id="{3594F1DE-9849-6847-874C-4EFA82C471D6}"/>
-              </a:ext>
-            </a:extLst>
-          </p:cNvPr>
+            <a:endParaRPr lang="en-US" dirty="0"/>
+          </a:p>
+        </p:txBody>
+      </p:sp>
+      <p:sp>
+        <p:nvSpPr>
+          <p:cNvPr id="3" name="Text Placeholder 2"/>
           <p:cNvSpPr>
             <a:spLocks noGrp="1"/>
           </p:cNvSpPr>
@@ -1544,8 +1359,8 @@
         </p:nvSpPr>
         <p:spPr>
           <a:xfrm>
-            <a:off x="839788" y="1681163"/>
-            <a:ext cx="5157787" cy="823912"/>
+            <a:off x="1259683" y="1681163"/>
+            <a:ext cx="7736681" cy="823912"/>
           </a:xfrm>
         </p:spPr>
         <p:txBody>
@@ -1599,13 +1414,7 @@
       </p:sp>
       <p:sp>
         <p:nvSpPr>
-          <p:cNvPr id="4" name="Content Placeholder 3">
-            <a:extLst>
-              <a:ext uri="{FF2B5EF4-FFF2-40B4-BE49-F238E27FC236}">
-                <a16:creationId xmlns:a16="http://schemas.microsoft.com/office/drawing/2014/main" id="{9FD2E413-7838-5849-9306-5FE735BF653A}"/>
-              </a:ext>
-            </a:extLst>
-          </p:cNvPr>
+          <p:cNvPr id="4" name="Content Placeholder 3"/>
           <p:cNvSpPr>
             <a:spLocks noGrp="1"/>
           </p:cNvSpPr>
@@ -1615,8 +1424,8 @@
         </p:nvSpPr>
         <p:spPr>
           <a:xfrm>
-            <a:off x="839788" y="2505075"/>
-            <a:ext cx="5157787" cy="3684588"/>
+            <a:off x="1259683" y="2505075"/>
+            <a:ext cx="7736681" cy="3684588"/>
           </a:xfrm>
         </p:spPr>
         <p:txBody>
@@ -1656,18 +1465,13 @@
               <a:rPr lang="en-US"/>
               <a:t>Fifth level</a:t>
             </a:r>
-          </a:p>
-        </p:txBody>
-      </p:sp>
-      <p:sp>
-        <p:nvSpPr>
-          <p:cNvPr id="5" name="Text Placeholder 4">
-            <a:extLst>
-              <a:ext uri="{FF2B5EF4-FFF2-40B4-BE49-F238E27FC236}">
-                <a16:creationId xmlns:a16="http://schemas.microsoft.com/office/drawing/2014/main" id="{98257922-561A-5948-854A-9E3BD68CDDD4}"/>
-              </a:ext>
-            </a:extLst>
-          </p:cNvPr>
+            <a:endParaRPr lang="en-US" dirty="0"/>
+          </a:p>
+        </p:txBody>
+      </p:sp>
+      <p:sp>
+        <p:nvSpPr>
+          <p:cNvPr id="5" name="Text Placeholder 4"/>
           <p:cNvSpPr>
             <a:spLocks noGrp="1"/>
           </p:cNvSpPr>
@@ -1677,8 +1481,8 @@
         </p:nvSpPr>
         <p:spPr>
           <a:xfrm>
-            <a:off x="6172200" y="1681163"/>
-            <a:ext cx="5183188" cy="823912"/>
+            <a:off x="9258300" y="1681163"/>
+            <a:ext cx="7774782" cy="823912"/>
           </a:xfrm>
         </p:spPr>
         <p:txBody>
@@ -1732,13 +1536,7 @@
       </p:sp>
       <p:sp>
         <p:nvSpPr>
-          <p:cNvPr id="6" name="Content Placeholder 5">
-            <a:extLst>
-              <a:ext uri="{FF2B5EF4-FFF2-40B4-BE49-F238E27FC236}">
-                <a16:creationId xmlns:a16="http://schemas.microsoft.com/office/drawing/2014/main" id="{70FD129B-822A-D848-97F3-36B9236B78B2}"/>
-              </a:ext>
-            </a:extLst>
-          </p:cNvPr>
+          <p:cNvPr id="6" name="Content Placeholder 5"/>
           <p:cNvSpPr>
             <a:spLocks noGrp="1"/>
           </p:cNvSpPr>
@@ -1748,8 +1546,8 @@
         </p:nvSpPr>
         <p:spPr>
           <a:xfrm>
-            <a:off x="6172200" y="2505075"/>
-            <a:ext cx="5183188" cy="3684588"/>
+            <a:off x="9258300" y="2505075"/>
+            <a:ext cx="7774782" cy="3684588"/>
           </a:xfrm>
         </p:spPr>
         <p:txBody>
@@ -1789,18 +1587,13 @@
               <a:rPr lang="en-US"/>
               <a:t>Fifth level</a:t>
             </a:r>
-          </a:p>
-        </p:txBody>
-      </p:sp>
-      <p:sp>
-        <p:nvSpPr>
-          <p:cNvPr id="7" name="Date Placeholder 6">
-            <a:extLst>
-              <a:ext uri="{FF2B5EF4-FFF2-40B4-BE49-F238E27FC236}">
-                <a16:creationId xmlns:a16="http://schemas.microsoft.com/office/drawing/2014/main" id="{61714319-71F6-F545-88E0-C059AE659147}"/>
-              </a:ext>
-            </a:extLst>
-          </p:cNvPr>
+            <a:endParaRPr lang="en-US" dirty="0"/>
+          </a:p>
+        </p:txBody>
+      </p:sp>
+      <p:sp>
+        <p:nvSpPr>
+          <p:cNvPr id="7" name="Date Placeholder 6"/>
           <p:cNvSpPr>
             <a:spLocks noGrp="1"/>
           </p:cNvSpPr>
@@ -1815,7 +1608,7 @@
           <a:p>
             <a:fld id="{86FB3B22-72C6-954B-B5E8-70C9458D357E}" type="datetimeFigureOut">
               <a:rPr lang="en-US" smtClean="0"/>
-              <a:t>4/28/22</a:t>
+              <a:t>6/1/22</a:t>
             </a:fld>
             <a:endParaRPr lang="en-US"/>
           </a:p>
@@ -1823,13 +1616,7 @@
       </p:sp>
       <p:sp>
         <p:nvSpPr>
-          <p:cNvPr id="8" name="Footer Placeholder 7">
-            <a:extLst>
-              <a:ext uri="{FF2B5EF4-FFF2-40B4-BE49-F238E27FC236}">
-                <a16:creationId xmlns:a16="http://schemas.microsoft.com/office/drawing/2014/main" id="{CF1DFF65-7F06-924B-AF11-AC131C425BE2}"/>
-              </a:ext>
-            </a:extLst>
-          </p:cNvPr>
+          <p:cNvPr id="8" name="Footer Placeholder 7"/>
           <p:cNvSpPr>
             <a:spLocks noGrp="1"/>
           </p:cNvSpPr>
@@ -1848,13 +1635,7 @@
       </p:sp>
       <p:sp>
         <p:nvSpPr>
-          <p:cNvPr id="9" name="Slide Number Placeholder 8">
-            <a:extLst>
-              <a:ext uri="{FF2B5EF4-FFF2-40B4-BE49-F238E27FC236}">
-                <a16:creationId xmlns:a16="http://schemas.microsoft.com/office/drawing/2014/main" id="{928FBF18-1EFE-9A4C-BF23-932D38C50297}"/>
-              </a:ext>
-            </a:extLst>
-          </p:cNvPr>
+          <p:cNvPr id="9" name="Slide Number Placeholder 8"/>
           <p:cNvSpPr>
             <a:spLocks noGrp="1"/>
           </p:cNvSpPr>
@@ -1878,7 +1659,7 @@
     </p:spTree>
     <p:extLst>
       <p:ext uri="{BB962C8B-B14F-4D97-AF65-F5344CB8AC3E}">
-        <p14:creationId xmlns:p14="http://schemas.microsoft.com/office/powerpoint/2010/main" val="4222219041"/>
+        <p14:creationId xmlns:p14="http://schemas.microsoft.com/office/powerpoint/2010/main" val="1841541590"/>
       </p:ext>
     </p:extLst>
   </p:cSld>
@@ -1907,13 +1688,7 @@
       </p:grpSpPr>
       <p:sp>
         <p:nvSpPr>
-          <p:cNvPr id="2" name="Title 1">
-            <a:extLst>
-              <a:ext uri="{FF2B5EF4-FFF2-40B4-BE49-F238E27FC236}">
-                <a16:creationId xmlns:a16="http://schemas.microsoft.com/office/drawing/2014/main" id="{78A285BF-B676-7E4C-BB90-37278EDCACBC}"/>
-              </a:ext>
-            </a:extLst>
-          </p:cNvPr>
+          <p:cNvPr id="2" name="Title 1"/>
           <p:cNvSpPr>
             <a:spLocks noGrp="1"/>
           </p:cNvSpPr>
@@ -1930,18 +1705,13 @@
               <a:rPr lang="en-US"/>
               <a:t>Click to edit Master title style</a:t>
             </a:r>
-          </a:p>
-        </p:txBody>
-      </p:sp>
-      <p:sp>
-        <p:nvSpPr>
-          <p:cNvPr id="3" name="Date Placeholder 2">
-            <a:extLst>
-              <a:ext uri="{FF2B5EF4-FFF2-40B4-BE49-F238E27FC236}">
-                <a16:creationId xmlns:a16="http://schemas.microsoft.com/office/drawing/2014/main" id="{F87CEFE6-B137-3148-AAE6-C5F8C22F600A}"/>
-              </a:ext>
-            </a:extLst>
-          </p:cNvPr>
+            <a:endParaRPr lang="en-US" dirty="0"/>
+          </a:p>
+        </p:txBody>
+      </p:sp>
+      <p:sp>
+        <p:nvSpPr>
+          <p:cNvPr id="3" name="Date Placeholder 2"/>
           <p:cNvSpPr>
             <a:spLocks noGrp="1"/>
           </p:cNvSpPr>
@@ -1956,7 +1726,7 @@
           <a:p>
             <a:fld id="{86FB3B22-72C6-954B-B5E8-70C9458D357E}" type="datetimeFigureOut">
               <a:rPr lang="en-US" smtClean="0"/>
-              <a:t>4/28/22</a:t>
+              <a:t>6/1/22</a:t>
             </a:fld>
             <a:endParaRPr lang="en-US"/>
           </a:p>
@@ -1964,13 +1734,7 @@
       </p:sp>
       <p:sp>
         <p:nvSpPr>
-          <p:cNvPr id="4" name="Footer Placeholder 3">
-            <a:extLst>
-              <a:ext uri="{FF2B5EF4-FFF2-40B4-BE49-F238E27FC236}">
-                <a16:creationId xmlns:a16="http://schemas.microsoft.com/office/drawing/2014/main" id="{E5411CA4-14B1-6841-9585-B1407612903F}"/>
-              </a:ext>
-            </a:extLst>
-          </p:cNvPr>
+          <p:cNvPr id="4" name="Footer Placeholder 3"/>
           <p:cNvSpPr>
             <a:spLocks noGrp="1"/>
           </p:cNvSpPr>
@@ -1989,13 +1753,7 @@
       </p:sp>
       <p:sp>
         <p:nvSpPr>
-          <p:cNvPr id="5" name="Slide Number Placeholder 4">
-            <a:extLst>
-              <a:ext uri="{FF2B5EF4-FFF2-40B4-BE49-F238E27FC236}">
-                <a16:creationId xmlns:a16="http://schemas.microsoft.com/office/drawing/2014/main" id="{4038F43B-8EC4-9F49-8B60-330D10761F4D}"/>
-              </a:ext>
-            </a:extLst>
-          </p:cNvPr>
+          <p:cNvPr id="5" name="Slide Number Placeholder 4"/>
           <p:cNvSpPr>
             <a:spLocks noGrp="1"/>
           </p:cNvSpPr>
@@ -2019,7 +1777,7 @@
     </p:spTree>
     <p:extLst>
       <p:ext uri="{BB962C8B-B14F-4D97-AF65-F5344CB8AC3E}">
-        <p14:creationId xmlns:p14="http://schemas.microsoft.com/office/powerpoint/2010/main" val="4036696766"/>
+        <p14:creationId xmlns:p14="http://schemas.microsoft.com/office/powerpoint/2010/main" val="1865614964"/>
       </p:ext>
     </p:extLst>
   </p:cSld>
@@ -2048,13 +1806,7 @@
       </p:grpSpPr>
       <p:sp>
         <p:nvSpPr>
-          <p:cNvPr id="2" name="Date Placeholder 1">
-            <a:extLst>
-              <a:ext uri="{FF2B5EF4-FFF2-40B4-BE49-F238E27FC236}">
-                <a16:creationId xmlns:a16="http://schemas.microsoft.com/office/drawing/2014/main" id="{5B34513D-EFBD-614F-813D-FCD6FD71BDDA}"/>
-              </a:ext>
-            </a:extLst>
-          </p:cNvPr>
+          <p:cNvPr id="2" name="Date Placeholder 1"/>
           <p:cNvSpPr>
             <a:spLocks noGrp="1"/>
           </p:cNvSpPr>
@@ -2069,7 +1821,7 @@
           <a:p>
             <a:fld id="{86FB3B22-72C6-954B-B5E8-70C9458D357E}" type="datetimeFigureOut">
               <a:rPr lang="en-US" smtClean="0"/>
-              <a:t>4/28/22</a:t>
+              <a:t>6/1/22</a:t>
             </a:fld>
             <a:endParaRPr lang="en-US"/>
           </a:p>
@@ -2077,13 +1829,7 @@
       </p:sp>
       <p:sp>
         <p:nvSpPr>
-          <p:cNvPr id="3" name="Footer Placeholder 2">
-            <a:extLst>
-              <a:ext uri="{FF2B5EF4-FFF2-40B4-BE49-F238E27FC236}">
-                <a16:creationId xmlns:a16="http://schemas.microsoft.com/office/drawing/2014/main" id="{84F3C609-3081-4C43-97E0-8C61140B5F75}"/>
-              </a:ext>
-            </a:extLst>
-          </p:cNvPr>
+          <p:cNvPr id="3" name="Footer Placeholder 2"/>
           <p:cNvSpPr>
             <a:spLocks noGrp="1"/>
           </p:cNvSpPr>
@@ -2102,13 +1848,7 @@
       </p:sp>
       <p:sp>
         <p:nvSpPr>
-          <p:cNvPr id="4" name="Slide Number Placeholder 3">
-            <a:extLst>
-              <a:ext uri="{FF2B5EF4-FFF2-40B4-BE49-F238E27FC236}">
-                <a16:creationId xmlns:a16="http://schemas.microsoft.com/office/drawing/2014/main" id="{328A6332-6400-034E-97BA-05447564A613}"/>
-              </a:ext>
-            </a:extLst>
-          </p:cNvPr>
+          <p:cNvPr id="4" name="Slide Number Placeholder 3"/>
           <p:cNvSpPr>
             <a:spLocks noGrp="1"/>
           </p:cNvSpPr>
@@ -2132,7 +1872,7 @@
     </p:spTree>
     <p:extLst>
       <p:ext uri="{BB962C8B-B14F-4D97-AF65-F5344CB8AC3E}">
-        <p14:creationId xmlns:p14="http://schemas.microsoft.com/office/powerpoint/2010/main" val="1703562823"/>
+        <p14:creationId xmlns:p14="http://schemas.microsoft.com/office/powerpoint/2010/main" val="4120278431"/>
       </p:ext>
     </p:extLst>
   </p:cSld>
@@ -2161,13 +1901,7 @@
       </p:grpSpPr>
       <p:sp>
         <p:nvSpPr>
-          <p:cNvPr id="2" name="Title 1">
-            <a:extLst>
-              <a:ext uri="{FF2B5EF4-FFF2-40B4-BE49-F238E27FC236}">
-                <a16:creationId xmlns:a16="http://schemas.microsoft.com/office/drawing/2014/main" id="{68E28083-DA94-204D-ACE7-41982D8FED9A}"/>
-              </a:ext>
-            </a:extLst>
-          </p:cNvPr>
+          <p:cNvPr id="2" name="Title 1"/>
           <p:cNvSpPr>
             <a:spLocks noGrp="1"/>
           </p:cNvSpPr>
@@ -2177,8 +1911,8 @@
         </p:nvSpPr>
         <p:spPr>
           <a:xfrm>
-            <a:off x="839788" y="457200"/>
-            <a:ext cx="3932237" cy="1600200"/>
+            <a:off x="1259683" y="457200"/>
+            <a:ext cx="5898356" cy="1600200"/>
           </a:xfrm>
         </p:spPr>
         <p:txBody>
@@ -2193,18 +1927,13 @@
               <a:rPr lang="en-US"/>
               <a:t>Click to edit Master title style</a:t>
             </a:r>
-          </a:p>
-        </p:txBody>
-      </p:sp>
-      <p:sp>
-        <p:nvSpPr>
-          <p:cNvPr id="3" name="Content Placeholder 2">
-            <a:extLst>
-              <a:ext uri="{FF2B5EF4-FFF2-40B4-BE49-F238E27FC236}">
-                <a16:creationId xmlns:a16="http://schemas.microsoft.com/office/drawing/2014/main" id="{EDBAF1FF-DB66-014F-AB91-B54600C87F7A}"/>
-              </a:ext>
-            </a:extLst>
-          </p:cNvPr>
+            <a:endParaRPr lang="en-US" dirty="0"/>
+          </a:p>
+        </p:txBody>
+      </p:sp>
+      <p:sp>
+        <p:nvSpPr>
+          <p:cNvPr id="3" name="Content Placeholder 2"/>
           <p:cNvSpPr>
             <a:spLocks noGrp="1"/>
           </p:cNvSpPr>
@@ -2214,8 +1943,8 @@
         </p:nvSpPr>
         <p:spPr>
           <a:xfrm>
-            <a:off x="5183188" y="987425"/>
-            <a:ext cx="6172200" cy="4873625"/>
+            <a:off x="7774782" y="987426"/>
+            <a:ext cx="9258300" cy="4873625"/>
           </a:xfrm>
         </p:spPr>
         <p:txBody>
@@ -2283,18 +2012,13 @@
               <a:rPr lang="en-US"/>
               <a:t>Fifth level</a:t>
             </a:r>
-          </a:p>
-        </p:txBody>
-      </p:sp>
-      <p:sp>
-        <p:nvSpPr>
-          <p:cNvPr id="4" name="Text Placeholder 3">
-            <a:extLst>
-              <a:ext uri="{FF2B5EF4-FFF2-40B4-BE49-F238E27FC236}">
-                <a16:creationId xmlns:a16="http://schemas.microsoft.com/office/drawing/2014/main" id="{A607A85E-9A3D-0849-A7D1-3FA07CE23FEE}"/>
-              </a:ext>
-            </a:extLst>
-          </p:cNvPr>
+            <a:endParaRPr lang="en-US" dirty="0"/>
+          </a:p>
+        </p:txBody>
+      </p:sp>
+      <p:sp>
+        <p:nvSpPr>
+          <p:cNvPr id="4" name="Text Placeholder 3"/>
           <p:cNvSpPr>
             <a:spLocks noGrp="1"/>
           </p:cNvSpPr>
@@ -2304,8 +2028,8 @@
         </p:nvSpPr>
         <p:spPr>
           <a:xfrm>
-            <a:off x="839788" y="2057400"/>
-            <a:ext cx="3932237" cy="3811588"/>
+            <a:off x="1259683" y="2057400"/>
+            <a:ext cx="5898356" cy="3811588"/>
           </a:xfrm>
         </p:spPr>
         <p:txBody>
@@ -2359,13 +2083,7 @@
       </p:sp>
       <p:sp>
         <p:nvSpPr>
-          <p:cNvPr id="5" name="Date Placeholder 4">
-            <a:extLst>
-              <a:ext uri="{FF2B5EF4-FFF2-40B4-BE49-F238E27FC236}">
-                <a16:creationId xmlns:a16="http://schemas.microsoft.com/office/drawing/2014/main" id="{1ACAB304-F260-CD4D-A850-F638D67C62C0}"/>
-              </a:ext>
-            </a:extLst>
-          </p:cNvPr>
+          <p:cNvPr id="5" name="Date Placeholder 4"/>
           <p:cNvSpPr>
             <a:spLocks noGrp="1"/>
           </p:cNvSpPr>
@@ -2380,7 +2098,7 @@
           <a:p>
             <a:fld id="{86FB3B22-72C6-954B-B5E8-70C9458D357E}" type="datetimeFigureOut">
               <a:rPr lang="en-US" smtClean="0"/>
-              <a:t>4/28/22</a:t>
+              <a:t>6/1/22</a:t>
             </a:fld>
             <a:endParaRPr lang="en-US"/>
           </a:p>
@@ -2388,13 +2106,7 @@
       </p:sp>
       <p:sp>
         <p:nvSpPr>
-          <p:cNvPr id="6" name="Footer Placeholder 5">
-            <a:extLst>
-              <a:ext uri="{FF2B5EF4-FFF2-40B4-BE49-F238E27FC236}">
-                <a16:creationId xmlns:a16="http://schemas.microsoft.com/office/drawing/2014/main" id="{612133F8-C68A-824E-90EB-9B8B3FCA0D2A}"/>
-              </a:ext>
-            </a:extLst>
-          </p:cNvPr>
+          <p:cNvPr id="6" name="Footer Placeholder 5"/>
           <p:cNvSpPr>
             <a:spLocks noGrp="1"/>
           </p:cNvSpPr>
@@ -2413,13 +2125,7 @@
       </p:sp>
       <p:sp>
         <p:nvSpPr>
-          <p:cNvPr id="7" name="Slide Number Placeholder 6">
-            <a:extLst>
-              <a:ext uri="{FF2B5EF4-FFF2-40B4-BE49-F238E27FC236}">
-                <a16:creationId xmlns:a16="http://schemas.microsoft.com/office/drawing/2014/main" id="{D362150F-30F0-294E-AE81-C46261AD4AE0}"/>
-              </a:ext>
-            </a:extLst>
-          </p:cNvPr>
+          <p:cNvPr id="7" name="Slide Number Placeholder 6"/>
           <p:cNvSpPr>
             <a:spLocks noGrp="1"/>
           </p:cNvSpPr>
@@ -2443,7 +2149,7 @@
     </p:spTree>
     <p:extLst>
       <p:ext uri="{BB962C8B-B14F-4D97-AF65-F5344CB8AC3E}">
-        <p14:creationId xmlns:p14="http://schemas.microsoft.com/office/powerpoint/2010/main" val="1692755097"/>
+        <p14:creationId xmlns:p14="http://schemas.microsoft.com/office/powerpoint/2010/main" val="824806725"/>
       </p:ext>
     </p:extLst>
   </p:cSld>
@@ -2472,13 +2178,7 @@
       </p:grpSpPr>
       <p:sp>
         <p:nvSpPr>
-          <p:cNvPr id="2" name="Title 1">
-            <a:extLst>
-              <a:ext uri="{FF2B5EF4-FFF2-40B4-BE49-F238E27FC236}">
-                <a16:creationId xmlns:a16="http://schemas.microsoft.com/office/drawing/2014/main" id="{690077BD-11A8-244F-9EF9-7A503D2E9CFA}"/>
-              </a:ext>
-            </a:extLst>
-          </p:cNvPr>
+          <p:cNvPr id="2" name="Title 1"/>
           <p:cNvSpPr>
             <a:spLocks noGrp="1"/>
           </p:cNvSpPr>
@@ -2488,8 +2188,8 @@
         </p:nvSpPr>
         <p:spPr>
           <a:xfrm>
-            <a:off x="839788" y="457200"/>
-            <a:ext cx="3932237" cy="1600200"/>
+            <a:off x="1259683" y="457200"/>
+            <a:ext cx="5898356" cy="1600200"/>
           </a:xfrm>
         </p:spPr>
         <p:txBody>
@@ -2504,20 +2204,15 @@
               <a:rPr lang="en-US"/>
               <a:t>Click to edit Master title style</a:t>
             </a:r>
-          </a:p>
-        </p:txBody>
-      </p:sp>
-      <p:sp>
-        <p:nvSpPr>
-          <p:cNvPr id="3" name="Picture Placeholder 2">
-            <a:extLst>
-              <a:ext uri="{FF2B5EF4-FFF2-40B4-BE49-F238E27FC236}">
-                <a16:creationId xmlns:a16="http://schemas.microsoft.com/office/drawing/2014/main" id="{62982671-C24A-074E-9752-8561302FCD6D}"/>
-              </a:ext>
-            </a:extLst>
-          </p:cNvPr>
-          <p:cNvSpPr>
-            <a:spLocks noGrp="1"/>
+            <a:endParaRPr lang="en-US" dirty="0"/>
+          </a:p>
+        </p:txBody>
+      </p:sp>
+      <p:sp>
+        <p:nvSpPr>
+          <p:cNvPr id="3" name="Picture Placeholder 2"/>
+          <p:cNvSpPr>
+            <a:spLocks noGrp="1" noChangeAspect="1"/>
           </p:cNvSpPr>
           <p:nvPr>
             <p:ph type="pic" idx="1"/>
@@ -2525,8 +2220,73 @@
         </p:nvSpPr>
         <p:spPr>
           <a:xfrm>
-            <a:off x="5183188" y="987425"/>
-            <a:ext cx="6172200" cy="4873625"/>
+            <a:off x="7774782" y="987426"/>
+            <a:ext cx="9258300" cy="4873625"/>
+          </a:xfrm>
+        </p:spPr>
+        <p:txBody>
+          <a:bodyPr anchor="t"/>
+          <a:lstStyle>
+            <a:lvl1pPr marL="0" indent="0">
+              <a:buNone/>
+              <a:defRPr sz="3200"/>
+            </a:lvl1pPr>
+            <a:lvl2pPr marL="457200" indent="0">
+              <a:buNone/>
+              <a:defRPr sz="2800"/>
+            </a:lvl2pPr>
+            <a:lvl3pPr marL="914400" indent="0">
+              <a:buNone/>
+              <a:defRPr sz="2400"/>
+            </a:lvl3pPr>
+            <a:lvl4pPr marL="1371600" indent="0">
+              <a:buNone/>
+              <a:defRPr sz="2000"/>
+            </a:lvl4pPr>
+            <a:lvl5pPr marL="1828800" indent="0">
+              <a:buNone/>
+              <a:defRPr sz="2000"/>
+            </a:lvl5pPr>
+            <a:lvl6pPr marL="2286000" indent="0">
+              <a:buNone/>
+              <a:defRPr sz="2000"/>
+            </a:lvl6pPr>
+            <a:lvl7pPr marL="2743200" indent="0">
+              <a:buNone/>
+              <a:defRPr sz="2000"/>
+            </a:lvl7pPr>
+            <a:lvl8pPr marL="3200400" indent="0">
+              <a:buNone/>
+              <a:defRPr sz="2000"/>
+            </a:lvl8pPr>
+            <a:lvl9pPr marL="3657600" indent="0">
+              <a:buNone/>
+              <a:defRPr sz="2000"/>
+            </a:lvl9pPr>
+          </a:lstStyle>
+          <a:p>
+            <a:r>
+              <a:rPr lang="en-US"/>
+              <a:t>Click icon to add picture</a:t>
+            </a:r>
+            <a:endParaRPr lang="en-US" dirty="0"/>
+          </a:p>
+        </p:txBody>
+      </p:sp>
+      <p:sp>
+        <p:nvSpPr>
+          <p:cNvPr id="4" name="Text Placeholder 3"/>
+          <p:cNvSpPr>
+            <a:spLocks noGrp="1"/>
+          </p:cNvSpPr>
+          <p:nvPr>
+            <p:ph type="body" sz="half" idx="2"/>
+          </p:nvPr>
+        </p:nvSpPr>
+        <p:spPr>
+          <a:xfrm>
+            <a:off x="1259683" y="2057400"/>
+            <a:ext cx="5898356" cy="3811588"/>
           </a:xfrm>
         </p:spPr>
         <p:txBody>
@@ -2534,73 +2294,6 @@
           <a:lstStyle>
             <a:lvl1pPr marL="0" indent="0">
               <a:buNone/>
-              <a:defRPr sz="3200"/>
-            </a:lvl1pPr>
-            <a:lvl2pPr marL="457200" indent="0">
-              <a:buNone/>
-              <a:defRPr sz="2800"/>
-            </a:lvl2pPr>
-            <a:lvl3pPr marL="914400" indent="0">
-              <a:buNone/>
-              <a:defRPr sz="2400"/>
-            </a:lvl3pPr>
-            <a:lvl4pPr marL="1371600" indent="0">
-              <a:buNone/>
-              <a:defRPr sz="2000"/>
-            </a:lvl4pPr>
-            <a:lvl5pPr marL="1828800" indent="0">
-              <a:buNone/>
-              <a:defRPr sz="2000"/>
-            </a:lvl5pPr>
-            <a:lvl6pPr marL="2286000" indent="0">
-              <a:buNone/>
-              <a:defRPr sz="2000"/>
-            </a:lvl6pPr>
-            <a:lvl7pPr marL="2743200" indent="0">
-              <a:buNone/>
-              <a:defRPr sz="2000"/>
-            </a:lvl7pPr>
-            <a:lvl8pPr marL="3200400" indent="0">
-              <a:buNone/>
-              <a:defRPr sz="2000"/>
-            </a:lvl8pPr>
-            <a:lvl9pPr marL="3657600" indent="0">
-              <a:buNone/>
-              <a:defRPr sz="2000"/>
-            </a:lvl9pPr>
-          </a:lstStyle>
-          <a:p>
-            <a:endParaRPr lang="en-US"/>
-          </a:p>
-        </p:txBody>
-      </p:sp>
-      <p:sp>
-        <p:nvSpPr>
-          <p:cNvPr id="4" name="Text Placeholder 3">
-            <a:extLst>
-              <a:ext uri="{FF2B5EF4-FFF2-40B4-BE49-F238E27FC236}">
-                <a16:creationId xmlns:a16="http://schemas.microsoft.com/office/drawing/2014/main" id="{EAC80954-1AB5-0B43-8689-A84E0B51274A}"/>
-              </a:ext>
-            </a:extLst>
-          </p:cNvPr>
-          <p:cNvSpPr>
-            <a:spLocks noGrp="1"/>
-          </p:cNvSpPr>
-          <p:nvPr>
-            <p:ph type="body" sz="half" idx="2"/>
-          </p:nvPr>
-        </p:nvSpPr>
-        <p:spPr>
-          <a:xfrm>
-            <a:off x="839788" y="2057400"/>
-            <a:ext cx="3932237" cy="3811588"/>
-          </a:xfrm>
-        </p:spPr>
-        <p:txBody>
-          <a:bodyPr/>
-          <a:lstStyle>
-            <a:lvl1pPr marL="0" indent="0">
-              <a:buNone/>
               <a:defRPr sz="1600"/>
             </a:lvl1pPr>
             <a:lvl2pPr marL="457200" indent="0">
@@ -2647,13 +2340,7 @@
       </p:sp>
       <p:sp>
         <p:nvSpPr>
-          <p:cNvPr id="5" name="Date Placeholder 4">
-            <a:extLst>
-              <a:ext uri="{FF2B5EF4-FFF2-40B4-BE49-F238E27FC236}">
-                <a16:creationId xmlns:a16="http://schemas.microsoft.com/office/drawing/2014/main" id="{DBC21F3E-24C2-5147-859B-15B3434813A3}"/>
-              </a:ext>
-            </a:extLst>
-          </p:cNvPr>
+          <p:cNvPr id="5" name="Date Placeholder 4"/>
           <p:cNvSpPr>
             <a:spLocks noGrp="1"/>
           </p:cNvSpPr>
@@ -2668,7 +2355,7 @@
           <a:p>
             <a:fld id="{86FB3B22-72C6-954B-B5E8-70C9458D357E}" type="datetimeFigureOut">
               <a:rPr lang="en-US" smtClean="0"/>
-              <a:t>4/28/22</a:t>
+              <a:t>6/1/22</a:t>
             </a:fld>
             <a:endParaRPr lang="en-US"/>
           </a:p>
@@ -2676,13 +2363,7 @@
       </p:sp>
       <p:sp>
         <p:nvSpPr>
-          <p:cNvPr id="6" name="Footer Placeholder 5">
-            <a:extLst>
-              <a:ext uri="{FF2B5EF4-FFF2-40B4-BE49-F238E27FC236}">
-                <a16:creationId xmlns:a16="http://schemas.microsoft.com/office/drawing/2014/main" id="{F14719E7-4AD7-7946-837A-6C2A099CB7B8}"/>
-              </a:ext>
-            </a:extLst>
-          </p:cNvPr>
+          <p:cNvPr id="6" name="Footer Placeholder 5"/>
           <p:cNvSpPr>
             <a:spLocks noGrp="1"/>
           </p:cNvSpPr>
@@ -2701,13 +2382,7 @@
       </p:sp>
       <p:sp>
         <p:nvSpPr>
-          <p:cNvPr id="7" name="Slide Number Placeholder 6">
-            <a:extLst>
-              <a:ext uri="{FF2B5EF4-FFF2-40B4-BE49-F238E27FC236}">
-                <a16:creationId xmlns:a16="http://schemas.microsoft.com/office/drawing/2014/main" id="{773CD304-6BD4-EF47-80C9-289D97876212}"/>
-              </a:ext>
-            </a:extLst>
-          </p:cNvPr>
+          <p:cNvPr id="7" name="Slide Number Placeholder 6"/>
           <p:cNvSpPr>
             <a:spLocks noGrp="1"/>
           </p:cNvSpPr>
@@ -2731,7 +2406,7 @@
     </p:spTree>
     <p:extLst>
       <p:ext uri="{BB962C8B-B14F-4D97-AF65-F5344CB8AC3E}">
-        <p14:creationId xmlns:p14="http://schemas.microsoft.com/office/powerpoint/2010/main" val="986041715"/>
+        <p14:creationId xmlns:p14="http://schemas.microsoft.com/office/powerpoint/2010/main" val="3526070062"/>
       </p:ext>
     </p:extLst>
   </p:cSld>
@@ -2765,13 +2440,7 @@
       </p:grpSpPr>
       <p:sp>
         <p:nvSpPr>
-          <p:cNvPr id="2" name="Title Placeholder 1">
-            <a:extLst>
-              <a:ext uri="{FF2B5EF4-FFF2-40B4-BE49-F238E27FC236}">
-                <a16:creationId xmlns:a16="http://schemas.microsoft.com/office/drawing/2014/main" id="{7A8FC928-EA55-B042-94EE-9CD7F707FE5C}"/>
-              </a:ext>
-            </a:extLst>
-          </p:cNvPr>
+          <p:cNvPr id="2" name="Title Placeholder 1"/>
           <p:cNvSpPr>
             <a:spLocks noGrp="1"/>
           </p:cNvSpPr>
@@ -2781,8 +2450,8 @@
         </p:nvSpPr>
         <p:spPr>
           <a:xfrm>
-            <a:off x="838200" y="365125"/>
-            <a:ext cx="10515600" cy="1325563"/>
+            <a:off x="1257300" y="365126"/>
+            <a:ext cx="15773400" cy="1325563"/>
           </a:xfrm>
           <a:prstGeom prst="rect">
             <a:avLst/>
@@ -2798,18 +2467,13 @@
               <a:rPr lang="en-US"/>
               <a:t>Click to edit Master title style</a:t>
             </a:r>
-          </a:p>
-        </p:txBody>
-      </p:sp>
-      <p:sp>
-        <p:nvSpPr>
-          <p:cNvPr id="3" name="Text Placeholder 2">
-            <a:extLst>
-              <a:ext uri="{FF2B5EF4-FFF2-40B4-BE49-F238E27FC236}">
-                <a16:creationId xmlns:a16="http://schemas.microsoft.com/office/drawing/2014/main" id="{72092A86-C88B-584B-BC51-57663754A860}"/>
-              </a:ext>
-            </a:extLst>
-          </p:cNvPr>
+            <a:endParaRPr lang="en-US" dirty="0"/>
+          </a:p>
+        </p:txBody>
+      </p:sp>
+      <p:sp>
+        <p:nvSpPr>
+          <p:cNvPr id="3" name="Text Placeholder 2"/>
           <p:cNvSpPr>
             <a:spLocks noGrp="1"/>
           </p:cNvSpPr>
@@ -2819,8 +2483,8 @@
         </p:nvSpPr>
         <p:spPr>
           <a:xfrm>
-            <a:off x="838200" y="1825625"/>
-            <a:ext cx="10515600" cy="4351338"/>
+            <a:off x="1257300" y="1825625"/>
+            <a:ext cx="15773400" cy="4351338"/>
           </a:xfrm>
           <a:prstGeom prst="rect">
             <a:avLst/>
@@ -2865,18 +2529,13 @@
               <a:rPr lang="en-US"/>
               <a:t>Fifth level</a:t>
             </a:r>
-          </a:p>
-        </p:txBody>
-      </p:sp>
-      <p:sp>
-        <p:nvSpPr>
-          <p:cNvPr id="4" name="Date Placeholder 3">
-            <a:extLst>
-              <a:ext uri="{FF2B5EF4-FFF2-40B4-BE49-F238E27FC236}">
-                <a16:creationId xmlns:a16="http://schemas.microsoft.com/office/drawing/2014/main" id="{E33C86D1-50DB-7A4C-BE70-2D9716C4570E}"/>
-              </a:ext>
-            </a:extLst>
-          </p:cNvPr>
+            <a:endParaRPr lang="en-US" dirty="0"/>
+          </a:p>
+        </p:txBody>
+      </p:sp>
+      <p:sp>
+        <p:nvSpPr>
+          <p:cNvPr id="4" name="Date Placeholder 3"/>
           <p:cNvSpPr>
             <a:spLocks noGrp="1"/>
           </p:cNvSpPr>
@@ -2886,8 +2545,8 @@
         </p:nvSpPr>
         <p:spPr>
           <a:xfrm>
-            <a:off x="838200" y="6356350"/>
-            <a:ext cx="2743200" cy="365125"/>
+            <a:off x="1257300" y="6356351"/>
+            <a:ext cx="4114800" cy="365125"/>
           </a:xfrm>
           <a:prstGeom prst="rect">
             <a:avLst/>
@@ -2909,7 +2568,7 @@
           <a:p>
             <a:fld id="{86FB3B22-72C6-954B-B5E8-70C9458D357E}" type="datetimeFigureOut">
               <a:rPr lang="en-US" smtClean="0"/>
-              <a:t>4/28/22</a:t>
+              <a:t>6/1/22</a:t>
             </a:fld>
             <a:endParaRPr lang="en-US"/>
           </a:p>
@@ -2917,13 +2576,7 @@
       </p:sp>
       <p:sp>
         <p:nvSpPr>
-          <p:cNvPr id="5" name="Footer Placeholder 4">
-            <a:extLst>
-              <a:ext uri="{FF2B5EF4-FFF2-40B4-BE49-F238E27FC236}">
-                <a16:creationId xmlns:a16="http://schemas.microsoft.com/office/drawing/2014/main" id="{3E142EC3-2FA5-FB42-96F7-ECA814959DD5}"/>
-              </a:ext>
-            </a:extLst>
-          </p:cNvPr>
+          <p:cNvPr id="5" name="Footer Placeholder 4"/>
           <p:cNvSpPr>
             <a:spLocks noGrp="1"/>
           </p:cNvSpPr>
@@ -2933,8 +2586,8 @@
         </p:nvSpPr>
         <p:spPr>
           <a:xfrm>
-            <a:off x="4038600" y="6356350"/>
-            <a:ext cx="4114800" cy="365125"/>
+            <a:off x="6057900" y="6356351"/>
+            <a:ext cx="6172200" cy="365125"/>
           </a:xfrm>
           <a:prstGeom prst="rect">
             <a:avLst/>
@@ -2960,13 +2613,7 @@
       </p:sp>
       <p:sp>
         <p:nvSpPr>
-          <p:cNvPr id="6" name="Slide Number Placeholder 5">
-            <a:extLst>
-              <a:ext uri="{FF2B5EF4-FFF2-40B4-BE49-F238E27FC236}">
-                <a16:creationId xmlns:a16="http://schemas.microsoft.com/office/drawing/2014/main" id="{F950F974-673D-2F4F-9193-615A04B2C262}"/>
-              </a:ext>
-            </a:extLst>
-          </p:cNvPr>
+          <p:cNvPr id="6" name="Slide Number Placeholder 5"/>
           <p:cNvSpPr>
             <a:spLocks noGrp="1"/>
           </p:cNvSpPr>
@@ -2976,8 +2623,8 @@
         </p:nvSpPr>
         <p:spPr>
           <a:xfrm>
-            <a:off x="8610600" y="6356350"/>
-            <a:ext cx="2743200" cy="365125"/>
+            <a:off x="12915900" y="6356351"/>
+            <a:ext cx="4114800" cy="365125"/>
           </a:xfrm>
           <a:prstGeom prst="rect">
             <a:avLst/>
@@ -3008,23 +2655,23 @@
     </p:spTree>
     <p:extLst>
       <p:ext uri="{BB962C8B-B14F-4D97-AF65-F5344CB8AC3E}">
-        <p14:creationId xmlns:p14="http://schemas.microsoft.com/office/powerpoint/2010/main" val="806212200"/>
+        <p14:creationId xmlns:p14="http://schemas.microsoft.com/office/powerpoint/2010/main" val="1106228942"/>
       </p:ext>
     </p:extLst>
   </p:cSld>
   <p:clrMap bg1="lt1" tx1="dk1" bg2="lt2" tx2="dk2" accent1="accent1" accent2="accent2" accent3="accent3" accent4="accent4" accent5="accent5" accent6="accent6" hlink="hlink" folHlink="folHlink"/>
   <p:sldLayoutIdLst>
-    <p:sldLayoutId id="2147483649" r:id="rId1"/>
-    <p:sldLayoutId id="2147483650" r:id="rId2"/>
-    <p:sldLayoutId id="2147483651" r:id="rId3"/>
-    <p:sldLayoutId id="2147483652" r:id="rId4"/>
-    <p:sldLayoutId id="2147483653" r:id="rId5"/>
-    <p:sldLayoutId id="2147483654" r:id="rId6"/>
-    <p:sldLayoutId id="2147483655" r:id="rId7"/>
-    <p:sldLayoutId id="2147483656" r:id="rId8"/>
-    <p:sldLayoutId id="2147483657" r:id="rId9"/>
-    <p:sldLayoutId id="2147483658" r:id="rId10"/>
-    <p:sldLayoutId id="2147483659" r:id="rId11"/>
+    <p:sldLayoutId id="2147483673" r:id="rId1"/>
+    <p:sldLayoutId id="2147483674" r:id="rId2"/>
+    <p:sldLayoutId id="2147483675" r:id="rId3"/>
+    <p:sldLayoutId id="2147483676" r:id="rId4"/>
+    <p:sldLayoutId id="2147483677" r:id="rId5"/>
+    <p:sldLayoutId id="2147483678" r:id="rId6"/>
+    <p:sldLayoutId id="2147483679" r:id="rId7"/>
+    <p:sldLayoutId id="2147483680" r:id="rId8"/>
+    <p:sldLayoutId id="2147483681" r:id="rId9"/>
+    <p:sldLayoutId id="2147483682" r:id="rId10"/>
+    <p:sldLayoutId id="2147483683" r:id="rId11"/>
   </p:sldLayoutIdLst>
   <p:txStyles>
     <p:titleStyle>
@@ -3328,6 +2975,136 @@
       </p:grpSpPr>
       <p:sp>
         <p:nvSpPr>
+          <p:cNvPr id="103" name="Rounded Rectangle 102">
+            <a:extLst>
+              <a:ext uri="{FF2B5EF4-FFF2-40B4-BE49-F238E27FC236}">
+                <a16:creationId xmlns:a16="http://schemas.microsoft.com/office/drawing/2014/main" id="{3A7CE2EB-8CB4-640F-1218-08D78DF00835}"/>
+              </a:ext>
+            </a:extLst>
+          </p:cNvPr>
+          <p:cNvSpPr/>
+          <p:nvPr/>
+        </p:nvSpPr>
+        <p:spPr>
+          <a:xfrm>
+            <a:off x="10852070" y="1910224"/>
+            <a:ext cx="1838113" cy="1369164"/>
+          </a:xfrm>
+          <a:prstGeom prst="roundRect">
+            <a:avLst>
+              <a:gd name="adj" fmla="val 8924"/>
+            </a:avLst>
+          </a:prstGeom>
+          <a:solidFill>
+            <a:schemeClr val="bg1">
+              <a:lumMod val="75000"/>
+            </a:schemeClr>
+          </a:solidFill>
+          <a:ln>
+            <a:solidFill>
+              <a:schemeClr val="tx1"/>
+            </a:solidFill>
+          </a:ln>
+        </p:spPr>
+        <p:style>
+          <a:lnRef idx="2">
+            <a:schemeClr val="accent1">
+              <a:shade val="50000"/>
+            </a:schemeClr>
+          </a:lnRef>
+          <a:fillRef idx="1">
+            <a:schemeClr val="accent1"/>
+          </a:fillRef>
+          <a:effectRef idx="0">
+            <a:schemeClr val="accent1"/>
+          </a:effectRef>
+          <a:fontRef idx="minor">
+            <a:schemeClr val="lt1"/>
+          </a:fontRef>
+        </p:style>
+        <p:txBody>
+          <a:bodyPr rtlCol="0" anchor="ctr"/>
+          <a:lstStyle/>
+          <a:p>
+            <a:pPr algn="ctr"/>
+            <a:r>
+              <a:rPr lang="en-US" dirty="0">
+                <a:solidFill>
+                  <a:schemeClr val="tx1"/>
+                </a:solidFill>
+              </a:rPr>
+              <a:t>Depth Composite</a:t>
+            </a:r>
+          </a:p>
+        </p:txBody>
+      </p:sp>
+      <p:sp>
+        <p:nvSpPr>
+          <p:cNvPr id="101" name="Rounded Rectangle 100">
+            <a:extLst>
+              <a:ext uri="{FF2B5EF4-FFF2-40B4-BE49-F238E27FC236}">
+                <a16:creationId xmlns:a16="http://schemas.microsoft.com/office/drawing/2014/main" id="{26340B6F-7F9F-EBBE-F676-1C6787A5B86A}"/>
+              </a:ext>
+            </a:extLst>
+          </p:cNvPr>
+          <p:cNvSpPr/>
+          <p:nvPr/>
+        </p:nvSpPr>
+        <p:spPr>
+          <a:xfrm>
+            <a:off x="4551887" y="671777"/>
+            <a:ext cx="1838113" cy="1369164"/>
+          </a:xfrm>
+          <a:prstGeom prst="roundRect">
+            <a:avLst>
+              <a:gd name="adj" fmla="val 8924"/>
+            </a:avLst>
+          </a:prstGeom>
+          <a:solidFill>
+            <a:schemeClr val="bg1">
+              <a:lumMod val="75000"/>
+            </a:schemeClr>
+          </a:solidFill>
+          <a:ln>
+            <a:solidFill>
+              <a:schemeClr val="tx1"/>
+            </a:solidFill>
+          </a:ln>
+        </p:spPr>
+        <p:style>
+          <a:lnRef idx="2">
+            <a:schemeClr val="accent1">
+              <a:shade val="50000"/>
+            </a:schemeClr>
+          </a:lnRef>
+          <a:fillRef idx="1">
+            <a:schemeClr val="accent1"/>
+          </a:fillRef>
+          <a:effectRef idx="0">
+            <a:schemeClr val="accent1"/>
+          </a:effectRef>
+          <a:fontRef idx="minor">
+            <a:schemeClr val="lt1"/>
+          </a:fontRef>
+        </p:style>
+        <p:txBody>
+          <a:bodyPr rtlCol="0" anchor="ctr"/>
+          <a:lstStyle/>
+          <a:p>
+            <a:pPr algn="ctr"/>
+            <a:r>
+              <a:rPr lang="en-US" dirty="0">
+                <a:solidFill>
+                  <a:schemeClr val="tx1"/>
+                </a:solidFill>
+              </a:rPr>
+              <a:t>Image Render</a:t>
+            </a:r>
+          </a:p>
+        </p:txBody>
+      </p:sp>
+      <p:sp>
+        <p:nvSpPr>
           <p:cNvPr id="10" name="Rectangle 9">
             <a:extLst>
               <a:ext uri="{FF2B5EF4-FFF2-40B4-BE49-F238E27FC236}">
@@ -3340,7 +3117,7 @@
         </p:nvSpPr>
         <p:spPr>
           <a:xfrm>
-            <a:off x="737381" y="1058521"/>
+            <a:off x="1113615" y="915285"/>
             <a:ext cx="520267" cy="534827"/>
           </a:xfrm>
           <a:prstGeom prst="rect">
@@ -3373,201 +3150,6 @@
           <a:p>
             <a:pPr algn="ctr"/>
             <a:endParaRPr lang="en-US"/>
-          </a:p>
-        </p:txBody>
-      </p:sp>
-      <p:sp>
-        <p:nvSpPr>
-          <p:cNvPr id="34" name="Rectangle 33">
-            <a:extLst>
-              <a:ext uri="{FF2B5EF4-FFF2-40B4-BE49-F238E27FC236}">
-                <a16:creationId xmlns:a16="http://schemas.microsoft.com/office/drawing/2014/main" id="{D526BD7A-834E-8A4E-AEDC-4F9D086C3C73}"/>
-              </a:ext>
-            </a:extLst>
-          </p:cNvPr>
-          <p:cNvSpPr/>
-          <p:nvPr/>
-        </p:nvSpPr>
-        <p:spPr>
-          <a:xfrm>
-            <a:off x="8001000" y="794529"/>
-            <a:ext cx="3387375" cy="2730845"/>
-          </a:xfrm>
-          <a:prstGeom prst="rect">
-            <a:avLst/>
-          </a:prstGeom>
-          <a:solidFill>
-            <a:schemeClr val="bg1">
-              <a:lumMod val="85000"/>
-            </a:schemeClr>
-          </a:solidFill>
-          <a:ln w="25400">
-            <a:solidFill>
-              <a:schemeClr val="tx1"/>
-            </a:solidFill>
-          </a:ln>
-          <a:effectLst/>
-        </p:spPr>
-        <p:style>
-          <a:lnRef idx="2">
-            <a:schemeClr val="accent1">
-              <a:shade val="50000"/>
-            </a:schemeClr>
-          </a:lnRef>
-          <a:fillRef idx="1">
-            <a:schemeClr val="accent1"/>
-          </a:fillRef>
-          <a:effectRef idx="0">
-            <a:schemeClr val="accent1"/>
-          </a:effectRef>
-          <a:fontRef idx="minor">
-            <a:schemeClr val="lt1"/>
-          </a:fontRef>
-        </p:style>
-        <p:txBody>
-          <a:bodyPr rtlCol="0" anchor="t" anchorCtr="0"/>
-          <a:lstStyle/>
-          <a:p>
-            <a:pPr algn="ctr"/>
-            <a:r>
-              <a:rPr lang="en-US" sz="3600" dirty="0">
-                <a:solidFill>
-                  <a:schemeClr val="tx1"/>
-                </a:solidFill>
-              </a:rPr>
-              <a:t>Title</a:t>
-            </a:r>
-          </a:p>
-        </p:txBody>
-      </p:sp>
-      <p:sp>
-        <p:nvSpPr>
-          <p:cNvPr id="35" name="Oval 34">
-            <a:extLst>
-              <a:ext uri="{FF2B5EF4-FFF2-40B4-BE49-F238E27FC236}">
-                <a16:creationId xmlns:a16="http://schemas.microsoft.com/office/drawing/2014/main" id="{1F086467-10ED-804F-B8CD-EAC7EF11491B}"/>
-              </a:ext>
-            </a:extLst>
-          </p:cNvPr>
-          <p:cNvSpPr/>
-          <p:nvPr/>
-        </p:nvSpPr>
-        <p:spPr>
-          <a:xfrm>
-            <a:off x="8656998" y="1276305"/>
-            <a:ext cx="1037690" cy="1037690"/>
-          </a:xfrm>
-          <a:prstGeom prst="ellipse">
-            <a:avLst/>
-          </a:prstGeom>
-          <a:solidFill>
-            <a:schemeClr val="accent6">
-              <a:lumMod val="75000"/>
-            </a:schemeClr>
-          </a:solidFill>
-          <a:ln>
-            <a:solidFill>
-              <a:schemeClr val="tx1"/>
-            </a:solidFill>
-          </a:ln>
-        </p:spPr>
-        <p:style>
-          <a:lnRef idx="2">
-            <a:schemeClr val="accent1">
-              <a:shade val="50000"/>
-            </a:schemeClr>
-          </a:lnRef>
-          <a:fillRef idx="1">
-            <a:schemeClr val="accent1"/>
-          </a:fillRef>
-          <a:effectRef idx="0">
-            <a:schemeClr val="accent1"/>
-          </a:effectRef>
-          <a:fontRef idx="minor">
-            <a:schemeClr val="lt1"/>
-          </a:fontRef>
-        </p:style>
-        <p:txBody>
-          <a:bodyPr rtlCol="0" anchor="ctr"/>
-          <a:lstStyle/>
-          <a:p>
-            <a:pPr algn="ctr"/>
-            <a:endParaRPr lang="en-US"/>
-          </a:p>
-        </p:txBody>
-      </p:sp>
-      <p:sp>
-        <p:nvSpPr>
-          <p:cNvPr id="45" name="TextBox 44">
-            <a:extLst>
-              <a:ext uri="{FF2B5EF4-FFF2-40B4-BE49-F238E27FC236}">
-                <a16:creationId xmlns:a16="http://schemas.microsoft.com/office/drawing/2014/main" id="{A54D6FEB-FA61-A04A-A54F-80258823B093}"/>
-              </a:ext>
-            </a:extLst>
-          </p:cNvPr>
-          <p:cNvSpPr txBox="1"/>
-          <p:nvPr/>
-        </p:nvSpPr>
-        <p:spPr>
-          <a:xfrm>
-            <a:off x="8000999" y="3534434"/>
-            <a:ext cx="3387375" cy="1477328"/>
-          </a:xfrm>
-          <a:prstGeom prst="rect">
-            <a:avLst/>
-          </a:prstGeom>
-          <a:noFill/>
-        </p:spPr>
-        <p:txBody>
-          <a:bodyPr wrap="square" rtlCol="0">
-            <a:spAutoFit/>
-          </a:bodyPr>
-          <a:lstStyle/>
-          <a:p>
-            <a:r>
-              <a:rPr lang="en-US" dirty="0"/>
-              <a:t>Final image composite:</a:t>
-            </a:r>
-          </a:p>
-          <a:p>
-            <a:pPr marL="285750" indent="-285750">
-              <a:buFont typeface="Arial" panose="020B0604020202020204" pitchFamily="34" charset="0"/>
-              <a:buChar char="•"/>
-            </a:pPr>
-            <a:r>
-              <a:rPr lang="en-US" dirty="0"/>
-              <a:t>Circle image on</a:t>
-            </a:r>
-          </a:p>
-          <a:p>
-            <a:pPr marL="285750" indent="-285750">
-              <a:buFont typeface="Arial" panose="020B0604020202020204" pitchFamily="34" charset="0"/>
-              <a:buChar char="•"/>
-            </a:pPr>
-            <a:r>
-              <a:rPr lang="en-US" dirty="0"/>
-              <a:t>Parallelogram image on</a:t>
-            </a:r>
-          </a:p>
-          <a:p>
-            <a:pPr marL="285750" indent="-285750">
-              <a:buFont typeface="Arial" panose="020B0604020202020204" pitchFamily="34" charset="0"/>
-              <a:buChar char="•"/>
-            </a:pPr>
-            <a:r>
-              <a:rPr lang="en-US" dirty="0"/>
-              <a:t>Title layer on</a:t>
-            </a:r>
-          </a:p>
-          <a:p>
-            <a:pPr marL="285750" indent="-285750">
-              <a:buFont typeface="Arial" panose="020B0604020202020204" pitchFamily="34" charset="0"/>
-              <a:buChar char="•"/>
-            </a:pPr>
-            <a:r>
-              <a:rPr lang="en-US" dirty="0"/>
-              <a:t>Background layer on </a:t>
-            </a:r>
           </a:p>
         </p:txBody>
       </p:sp>
@@ -3585,7 +3167,7 @@
         </p:nvSpPr>
         <p:spPr>
           <a:xfrm>
-            <a:off x="528097" y="794529"/>
+            <a:off x="904330" y="651292"/>
             <a:ext cx="1838113" cy="1369164"/>
           </a:xfrm>
           <a:prstGeom prst="rect">
@@ -3639,7 +3221,7 @@
         </p:nvSpPr>
         <p:spPr>
           <a:xfrm>
-            <a:off x="737381" y="1058521"/>
+            <a:off x="1113615" y="915285"/>
             <a:ext cx="520267" cy="520267"/>
           </a:xfrm>
           <a:prstGeom prst="ellipse">
@@ -3695,7 +3277,7 @@
         </p:nvSpPr>
         <p:spPr>
           <a:xfrm>
-            <a:off x="541911" y="2717118"/>
+            <a:off x="918145" y="2573880"/>
             <a:ext cx="1850051" cy="1369164"/>
           </a:xfrm>
           <a:prstGeom prst="rect">
@@ -3749,7 +3331,7 @@
         </p:nvSpPr>
         <p:spPr>
           <a:xfrm>
-            <a:off x="516158" y="2162379"/>
+            <a:off x="892391" y="2019141"/>
             <a:ext cx="1850052" cy="369332"/>
           </a:xfrm>
           <a:prstGeom prst="rect">
@@ -3766,7 +3348,7 @@
             <a:pPr algn="ctr"/>
             <a:r>
               <a:rPr lang="en-US" dirty="0"/>
-              <a:t>circle layer</a:t>
+              <a:t>circle channel</a:t>
             </a:r>
           </a:p>
         </p:txBody>
@@ -3785,7 +3367,7 @@
         </p:nvSpPr>
         <p:spPr>
           <a:xfrm>
-            <a:off x="279973" y="4083038"/>
+            <a:off x="656207" y="3939800"/>
             <a:ext cx="2373923" cy="369332"/>
           </a:xfrm>
           <a:prstGeom prst="rect">
@@ -3802,7 +3384,7 @@
             <a:pPr algn="ctr"/>
             <a:r>
               <a:rPr lang="en-US" dirty="0"/>
-              <a:t>parallelogram layer</a:t>
+              <a:t>parallelogram channel</a:t>
             </a:r>
           </a:p>
         </p:txBody>
@@ -3821,7 +3403,7 @@
         </p:nvSpPr>
         <p:spPr>
           <a:xfrm>
-            <a:off x="1152216" y="3129425"/>
+            <a:off x="1528450" y="2986189"/>
             <a:ext cx="629439" cy="544549"/>
           </a:xfrm>
           <a:prstGeom prst="parallelogram">
@@ -3830,58 +3412,6 @@
           <a:solidFill>
             <a:schemeClr val="bg2">
               <a:lumMod val="75000"/>
-            </a:schemeClr>
-          </a:solidFill>
-        </p:spPr>
-        <p:style>
-          <a:lnRef idx="2">
-            <a:schemeClr val="accent1">
-              <a:shade val="50000"/>
-            </a:schemeClr>
-          </a:lnRef>
-          <a:fillRef idx="1">
-            <a:schemeClr val="accent1"/>
-          </a:fillRef>
-          <a:effectRef idx="0">
-            <a:schemeClr val="accent1"/>
-          </a:effectRef>
-          <a:fontRef idx="minor">
-            <a:schemeClr val="lt1"/>
-          </a:fontRef>
-        </p:style>
-        <p:txBody>
-          <a:bodyPr rtlCol="0" anchor="ctr"/>
-          <a:lstStyle/>
-          <a:p>
-            <a:pPr algn="ctr"/>
-            <a:endParaRPr lang="en-US"/>
-          </a:p>
-        </p:txBody>
-      </p:sp>
-      <p:sp>
-        <p:nvSpPr>
-          <p:cNvPr id="37" name="Parallelogram 36">
-            <a:extLst>
-              <a:ext uri="{FF2B5EF4-FFF2-40B4-BE49-F238E27FC236}">
-                <a16:creationId xmlns:a16="http://schemas.microsoft.com/office/drawing/2014/main" id="{A078CC9A-3E08-E54A-91A1-6A16FABF958A}"/>
-              </a:ext>
-            </a:extLst>
-          </p:cNvPr>
-          <p:cNvSpPr/>
-          <p:nvPr/>
-        </p:nvSpPr>
-        <p:spPr>
-          <a:xfrm>
-            <a:off x="9251058" y="1688362"/>
-            <a:ext cx="1161565" cy="1004909"/>
-          </a:xfrm>
-          <a:prstGeom prst="parallelogram">
-            <a:avLst/>
-          </a:prstGeom>
-          <a:solidFill>
-            <a:schemeClr val="accent5">
-              <a:lumMod val="60000"/>
-              <a:lumOff val="40000"/>
             </a:schemeClr>
           </a:solidFill>
         </p:spPr>
@@ -3924,7 +3454,7 @@
         </p:nvSpPr>
         <p:spPr>
           <a:xfrm>
-            <a:off x="1152216" y="3126181"/>
+            <a:off x="1528450" y="2982943"/>
             <a:ext cx="629439" cy="547794"/>
           </a:xfrm>
           <a:prstGeom prst="rect">
@@ -3957,291 +3487,6 @@
           <a:p>
             <a:pPr algn="ctr"/>
             <a:endParaRPr lang="en-US"/>
-          </a:p>
-        </p:txBody>
-      </p:sp>
-      <p:sp>
-        <p:nvSpPr>
-          <p:cNvPr id="46" name="Rectangle 45">
-            <a:extLst>
-              <a:ext uri="{FF2B5EF4-FFF2-40B4-BE49-F238E27FC236}">
-                <a16:creationId xmlns:a16="http://schemas.microsoft.com/office/drawing/2014/main" id="{B55C0495-5141-304E-A938-45ABFB6F837A}"/>
-              </a:ext>
-            </a:extLst>
-          </p:cNvPr>
-          <p:cNvSpPr/>
-          <p:nvPr/>
-        </p:nvSpPr>
-        <p:spPr>
-          <a:xfrm>
-            <a:off x="4177187" y="794529"/>
-            <a:ext cx="1838113" cy="1369164"/>
-          </a:xfrm>
-          <a:prstGeom prst="rect">
-            <a:avLst/>
-          </a:prstGeom>
-          <a:noFill/>
-          <a:ln w="19050">
-            <a:solidFill>
-              <a:schemeClr val="tx1"/>
-            </a:solidFill>
-            <a:prstDash val="solid"/>
-          </a:ln>
-          <a:effectLst/>
-        </p:spPr>
-        <p:style>
-          <a:lnRef idx="2">
-            <a:schemeClr val="accent1">
-              <a:shade val="50000"/>
-            </a:schemeClr>
-          </a:lnRef>
-          <a:fillRef idx="1">
-            <a:schemeClr val="accent1"/>
-          </a:fillRef>
-          <a:effectRef idx="0">
-            <a:schemeClr val="accent1"/>
-          </a:effectRef>
-          <a:fontRef idx="minor">
-            <a:schemeClr val="lt1"/>
-          </a:fontRef>
-        </p:style>
-        <p:txBody>
-          <a:bodyPr rtlCol="0" anchor="ctr"/>
-          <a:lstStyle/>
-          <a:p>
-            <a:pPr algn="ctr"/>
-            <a:endParaRPr lang="en-US"/>
-          </a:p>
-        </p:txBody>
-      </p:sp>
-      <p:sp>
-        <p:nvSpPr>
-          <p:cNvPr id="48" name="Oval 47">
-            <a:extLst>
-              <a:ext uri="{FF2B5EF4-FFF2-40B4-BE49-F238E27FC236}">
-                <a16:creationId xmlns:a16="http://schemas.microsoft.com/office/drawing/2014/main" id="{FAF060CA-182B-9B4D-8646-BDF28F9CCB9B}"/>
-              </a:ext>
-            </a:extLst>
-          </p:cNvPr>
-          <p:cNvSpPr/>
-          <p:nvPr/>
-        </p:nvSpPr>
-        <p:spPr>
-          <a:xfrm>
-            <a:off x="4386471" y="1058521"/>
-            <a:ext cx="520267" cy="520267"/>
-          </a:xfrm>
-          <a:prstGeom prst="ellipse">
-            <a:avLst/>
-          </a:prstGeom>
-          <a:solidFill>
-            <a:schemeClr val="accent6">
-              <a:lumMod val="75000"/>
-            </a:schemeClr>
-          </a:solidFill>
-          <a:ln>
-            <a:noFill/>
-          </a:ln>
-        </p:spPr>
-        <p:style>
-          <a:lnRef idx="2">
-            <a:schemeClr val="accent1">
-              <a:shade val="50000"/>
-            </a:schemeClr>
-          </a:lnRef>
-          <a:fillRef idx="1">
-            <a:schemeClr val="accent1"/>
-          </a:fillRef>
-          <a:effectRef idx="0">
-            <a:schemeClr val="accent1"/>
-          </a:effectRef>
-          <a:fontRef idx="minor">
-            <a:schemeClr val="lt1"/>
-          </a:fontRef>
-        </p:style>
-        <p:txBody>
-          <a:bodyPr rtlCol="0" anchor="ctr"/>
-          <a:lstStyle/>
-          <a:p>
-            <a:pPr algn="ctr"/>
-            <a:endParaRPr lang="en-US"/>
-          </a:p>
-        </p:txBody>
-      </p:sp>
-      <p:sp>
-        <p:nvSpPr>
-          <p:cNvPr id="49" name="Rectangle 48">
-            <a:extLst>
-              <a:ext uri="{FF2B5EF4-FFF2-40B4-BE49-F238E27FC236}">
-                <a16:creationId xmlns:a16="http://schemas.microsoft.com/office/drawing/2014/main" id="{D157B848-D4A9-DF46-B27E-D3DC7CCEB1A1}"/>
-              </a:ext>
-            </a:extLst>
-          </p:cNvPr>
-          <p:cNvSpPr/>
-          <p:nvPr/>
-        </p:nvSpPr>
-        <p:spPr>
-          <a:xfrm>
-            <a:off x="4191001" y="2717118"/>
-            <a:ext cx="1850051" cy="1369164"/>
-          </a:xfrm>
-          <a:prstGeom prst="rect">
-            <a:avLst/>
-          </a:prstGeom>
-          <a:noFill/>
-          <a:ln w="19050">
-            <a:solidFill>
-              <a:schemeClr val="tx1"/>
-            </a:solidFill>
-            <a:prstDash val="solid"/>
-          </a:ln>
-          <a:effectLst/>
-        </p:spPr>
-        <p:style>
-          <a:lnRef idx="2">
-            <a:schemeClr val="accent1">
-              <a:shade val="50000"/>
-            </a:schemeClr>
-          </a:lnRef>
-          <a:fillRef idx="1">
-            <a:schemeClr val="accent1"/>
-          </a:fillRef>
-          <a:effectRef idx="0">
-            <a:schemeClr val="accent1"/>
-          </a:effectRef>
-          <a:fontRef idx="minor">
-            <a:schemeClr val="lt1"/>
-          </a:fontRef>
-        </p:style>
-        <p:txBody>
-          <a:bodyPr rtlCol="0" anchor="ctr"/>
-          <a:lstStyle/>
-          <a:p>
-            <a:pPr algn="ctr"/>
-            <a:endParaRPr lang="en-US"/>
-          </a:p>
-        </p:txBody>
-      </p:sp>
-      <p:sp>
-        <p:nvSpPr>
-          <p:cNvPr id="58" name="Parallelogram 57">
-            <a:extLst>
-              <a:ext uri="{FF2B5EF4-FFF2-40B4-BE49-F238E27FC236}">
-                <a16:creationId xmlns:a16="http://schemas.microsoft.com/office/drawing/2014/main" id="{A905FABB-EF6E-7D45-A03E-7BD51304027A}"/>
-              </a:ext>
-            </a:extLst>
-          </p:cNvPr>
-          <p:cNvSpPr/>
-          <p:nvPr/>
-        </p:nvSpPr>
-        <p:spPr>
-          <a:xfrm>
-            <a:off x="4801306" y="3129425"/>
-            <a:ext cx="629439" cy="544549"/>
-          </a:xfrm>
-          <a:prstGeom prst="parallelogram">
-            <a:avLst/>
-          </a:prstGeom>
-          <a:solidFill>
-            <a:schemeClr val="accent5">
-              <a:lumMod val="60000"/>
-              <a:lumOff val="40000"/>
-            </a:schemeClr>
-          </a:solidFill>
-        </p:spPr>
-        <p:style>
-          <a:lnRef idx="2">
-            <a:schemeClr val="accent1">
-              <a:shade val="50000"/>
-            </a:schemeClr>
-          </a:lnRef>
-          <a:fillRef idx="1">
-            <a:schemeClr val="accent1"/>
-          </a:fillRef>
-          <a:effectRef idx="0">
-            <a:schemeClr val="accent1"/>
-          </a:effectRef>
-          <a:fontRef idx="minor">
-            <a:schemeClr val="lt1"/>
-          </a:fontRef>
-        </p:style>
-        <p:txBody>
-          <a:bodyPr rtlCol="0" anchor="ctr"/>
-          <a:lstStyle/>
-          <a:p>
-            <a:pPr algn="ctr"/>
-            <a:endParaRPr lang="en-US"/>
-          </a:p>
-        </p:txBody>
-      </p:sp>
-      <p:sp>
-        <p:nvSpPr>
-          <p:cNvPr id="40" name="TextBox 39">
-            <a:extLst>
-              <a:ext uri="{FF2B5EF4-FFF2-40B4-BE49-F238E27FC236}">
-                <a16:creationId xmlns:a16="http://schemas.microsoft.com/office/drawing/2014/main" id="{4EEF009D-F456-66EB-4275-64074988F17F}"/>
-              </a:ext>
-            </a:extLst>
-          </p:cNvPr>
-          <p:cNvSpPr txBox="1"/>
-          <p:nvPr/>
-        </p:nvSpPr>
-        <p:spPr>
-          <a:xfrm>
-            <a:off x="4165248" y="2162379"/>
-            <a:ext cx="1850052" cy="369332"/>
-          </a:xfrm>
-          <a:prstGeom prst="rect">
-            <a:avLst/>
-          </a:prstGeom>
-          <a:noFill/>
-        </p:spPr>
-        <p:txBody>
-          <a:bodyPr wrap="square" rtlCol="0">
-            <a:spAutoFit/>
-          </a:bodyPr>
-          <a:lstStyle/>
-          <a:p>
-            <a:pPr algn="ctr"/>
-            <a:r>
-              <a:rPr lang="en-US" dirty="0"/>
-              <a:t>circle image</a:t>
-            </a:r>
-          </a:p>
-        </p:txBody>
-      </p:sp>
-      <p:sp>
-        <p:nvSpPr>
-          <p:cNvPr id="41" name="TextBox 40">
-            <a:extLst>
-              <a:ext uri="{FF2B5EF4-FFF2-40B4-BE49-F238E27FC236}">
-                <a16:creationId xmlns:a16="http://schemas.microsoft.com/office/drawing/2014/main" id="{9218C513-5E77-34FF-5051-AEBCDB234A4A}"/>
-              </a:ext>
-            </a:extLst>
-          </p:cNvPr>
-          <p:cNvSpPr txBox="1"/>
-          <p:nvPr/>
-        </p:nvSpPr>
-        <p:spPr>
-          <a:xfrm>
-            <a:off x="3423589" y="4873479"/>
-            <a:ext cx="1313122" cy="369332"/>
-          </a:xfrm>
-          <a:prstGeom prst="rect">
-            <a:avLst/>
-          </a:prstGeom>
-          <a:noFill/>
-        </p:spPr>
-        <p:txBody>
-          <a:bodyPr wrap="square" rtlCol="0">
-            <a:spAutoFit/>
-          </a:bodyPr>
-          <a:lstStyle/>
-          <a:p>
-            <a:r>
-              <a:rPr lang="en-US" dirty="0"/>
-              <a:t>title layer</a:t>
-            </a:r>
           </a:p>
         </p:txBody>
       </p:sp>
@@ -4256,20 +3501,19 @@
           </p:cNvPr>
           <p:cNvCxnSpPr>
             <a:cxnSpLocks/>
-            <a:stCxn id="46" idx="3"/>
-            <a:endCxn id="34" idx="1"/>
+            <a:stCxn id="101" idx="3"/>
           </p:cNvCxnSpPr>
           <p:nvPr/>
         </p:nvCxnSpPr>
         <p:spPr>
           <a:xfrm>
-            <a:off x="6015300" y="1479111"/>
-            <a:ext cx="1985700" cy="680841"/>
+            <a:off x="6389999" y="1356360"/>
+            <a:ext cx="4475492" cy="1239321"/>
           </a:xfrm>
           <a:prstGeom prst="straightConnector1">
             <a:avLst/>
           </a:prstGeom>
-          <a:ln>
+          <a:ln w="25400">
             <a:solidFill>
               <a:schemeClr val="tx1"/>
             </a:solidFill>
@@ -4302,20 +3546,19 @@
           </p:cNvPr>
           <p:cNvCxnSpPr>
             <a:cxnSpLocks/>
-            <a:stCxn id="49" idx="3"/>
-            <a:endCxn id="34" idx="1"/>
+            <a:stCxn id="102" idx="3"/>
           </p:cNvCxnSpPr>
           <p:nvPr/>
         </p:nvCxnSpPr>
         <p:spPr>
           <a:xfrm flipV="1">
-            <a:off x="6041052" y="2159952"/>
-            <a:ext cx="1959948" cy="1241748"/>
+            <a:off x="6384285" y="2595680"/>
+            <a:ext cx="4481206" cy="678484"/>
           </a:xfrm>
           <a:prstGeom prst="straightConnector1">
             <a:avLst/>
           </a:prstGeom>
-          <a:ln>
+          <a:ln w="25400">
             <a:solidFill>
               <a:schemeClr val="tx1"/>
             </a:solidFill>
@@ -4351,7 +3594,7 @@
         </p:nvSpPr>
         <p:spPr>
           <a:xfrm>
-            <a:off x="2661800" y="794529"/>
+            <a:off x="3038035" y="651293"/>
             <a:ext cx="1162963" cy="646331"/>
           </a:xfrm>
           <a:prstGeom prst="rect">
@@ -4385,19 +3628,18 @@
           <p:cNvCxnSpPr>
             <a:cxnSpLocks/>
             <a:stCxn id="50" idx="3"/>
-            <a:endCxn id="46" idx="1"/>
           </p:cNvCxnSpPr>
           <p:nvPr/>
         </p:nvCxnSpPr>
         <p:spPr>
           <a:xfrm>
-            <a:off x="2366210" y="1479111"/>
+            <a:off x="2742443" y="1335874"/>
             <a:ext cx="1810977" cy="0"/>
           </a:xfrm>
           <a:prstGeom prst="straightConnector1">
             <a:avLst/>
           </a:prstGeom>
-          <a:ln>
+          <a:ln w="25400">
             <a:solidFill>
               <a:schemeClr val="tx1"/>
             </a:solidFill>
@@ -4433,7 +3675,7 @@
         </p:nvSpPr>
         <p:spPr>
           <a:xfrm>
-            <a:off x="2684900" y="2717118"/>
+            <a:off x="3061135" y="2573882"/>
             <a:ext cx="1162963" cy="646331"/>
           </a:xfrm>
           <a:prstGeom prst="rect">
@@ -4467,19 +3709,18 @@
           <p:cNvCxnSpPr>
             <a:cxnSpLocks/>
             <a:stCxn id="63" idx="3"/>
-            <a:endCxn id="49" idx="1"/>
           </p:cNvCxnSpPr>
           <p:nvPr/>
         </p:nvCxnSpPr>
         <p:spPr>
           <a:xfrm>
-            <a:off x="2391962" y="3401700"/>
+            <a:off x="2768196" y="3258462"/>
             <a:ext cx="1799039" cy="0"/>
           </a:xfrm>
           <a:prstGeom prst="straightConnector1">
             <a:avLst/>
           </a:prstGeom>
-          <a:ln>
+          <a:ln w="25400">
             <a:solidFill>
               <a:schemeClr val="tx1"/>
             </a:solidFill>
@@ -4501,127 +3742,6 @@
           </a:fontRef>
         </p:style>
       </p:cxnSp>
-      <p:sp>
-        <p:nvSpPr>
-          <p:cNvPr id="27" name="Rectangle 26">
-            <a:extLst>
-              <a:ext uri="{FF2B5EF4-FFF2-40B4-BE49-F238E27FC236}">
-                <a16:creationId xmlns:a16="http://schemas.microsoft.com/office/drawing/2014/main" id="{02123476-B4E8-1D10-6F1C-B9BB2D2C0420}"/>
-              </a:ext>
-            </a:extLst>
-          </p:cNvPr>
-          <p:cNvSpPr/>
-          <p:nvPr/>
-        </p:nvSpPr>
-        <p:spPr>
-          <a:xfrm>
-            <a:off x="4727930" y="4569090"/>
-            <a:ext cx="1313122" cy="978111"/>
-          </a:xfrm>
-          <a:prstGeom prst="rect">
-            <a:avLst/>
-          </a:prstGeom>
-          <a:solidFill>
-            <a:schemeClr val="bg1"/>
-          </a:solidFill>
-          <a:ln w="19050">
-            <a:solidFill>
-              <a:schemeClr val="tx1"/>
-            </a:solidFill>
-            <a:prstDash val="solid"/>
-          </a:ln>
-          <a:effectLst/>
-        </p:spPr>
-        <p:style>
-          <a:lnRef idx="2">
-            <a:schemeClr val="accent1">
-              <a:shade val="50000"/>
-            </a:schemeClr>
-          </a:lnRef>
-          <a:fillRef idx="1">
-            <a:schemeClr val="accent1"/>
-          </a:fillRef>
-          <a:effectRef idx="0">
-            <a:schemeClr val="accent1"/>
-          </a:effectRef>
-          <a:fontRef idx="minor">
-            <a:schemeClr val="lt1"/>
-          </a:fontRef>
-        </p:style>
-        <p:txBody>
-          <a:bodyPr rtlCol="0" anchor="t" anchorCtr="0"/>
-          <a:lstStyle/>
-          <a:p>
-            <a:pPr algn="ctr"/>
-            <a:r>
-              <a:rPr lang="en-US" dirty="0">
-                <a:solidFill>
-                  <a:schemeClr val="tx1"/>
-                </a:solidFill>
-              </a:rPr>
-              <a:t>Title</a:t>
-            </a:r>
-          </a:p>
-        </p:txBody>
-      </p:sp>
-      <p:sp>
-        <p:nvSpPr>
-          <p:cNvPr id="28" name="Rectangle 27">
-            <a:extLst>
-              <a:ext uri="{FF2B5EF4-FFF2-40B4-BE49-F238E27FC236}">
-                <a16:creationId xmlns:a16="http://schemas.microsoft.com/office/drawing/2014/main" id="{A7A238E7-01FC-93E9-D1B9-966159467C59}"/>
-              </a:ext>
-            </a:extLst>
-          </p:cNvPr>
-          <p:cNvSpPr/>
-          <p:nvPr/>
-        </p:nvSpPr>
-        <p:spPr>
-          <a:xfrm>
-            <a:off x="4727930" y="5698776"/>
-            <a:ext cx="1313122" cy="978111"/>
-          </a:xfrm>
-          <a:prstGeom prst="rect">
-            <a:avLst/>
-          </a:prstGeom>
-          <a:solidFill>
-            <a:schemeClr val="bg1">
-              <a:lumMod val="85000"/>
-            </a:schemeClr>
-          </a:solidFill>
-          <a:ln w="19050">
-            <a:solidFill>
-              <a:schemeClr val="tx1"/>
-            </a:solidFill>
-            <a:prstDash val="solid"/>
-          </a:ln>
-          <a:effectLst/>
-        </p:spPr>
-        <p:style>
-          <a:lnRef idx="2">
-            <a:schemeClr val="accent1">
-              <a:shade val="50000"/>
-            </a:schemeClr>
-          </a:lnRef>
-          <a:fillRef idx="1">
-            <a:schemeClr val="accent1"/>
-          </a:fillRef>
-          <a:effectRef idx="0">
-            <a:schemeClr val="accent1"/>
-          </a:effectRef>
-          <a:fontRef idx="minor">
-            <a:schemeClr val="lt1"/>
-          </a:fontRef>
-        </p:style>
-        <p:txBody>
-          <a:bodyPr rtlCol="0" anchor="ctr"/>
-          <a:lstStyle/>
-          <a:p>
-            <a:pPr algn="ctr"/>
-            <a:endParaRPr lang="en-US"/>
-          </a:p>
-        </p:txBody>
-      </p:sp>
       <p:cxnSp>
         <p:nvCxnSpPr>
           <p:cNvPr id="32" name="Straight Arrow Connector 31">
@@ -4633,24 +3753,395 @@
           </p:cNvPr>
           <p:cNvCxnSpPr>
             <a:cxnSpLocks/>
-            <a:stCxn id="27" idx="3"/>
-            <a:endCxn id="34" idx="1"/>
           </p:cNvCxnSpPr>
           <p:nvPr/>
         </p:nvCxnSpPr>
         <p:spPr>
           <a:xfrm flipV="1">
-            <a:off x="6041052" y="2159952"/>
-            <a:ext cx="1959948" cy="2898194"/>
+            <a:off x="12703604" y="2594806"/>
+            <a:ext cx="1250058" cy="874"/>
           </a:xfrm>
           <a:prstGeom prst="straightConnector1">
             <a:avLst/>
           </a:prstGeom>
-          <a:ln>
+          <a:ln w="25400">
             <a:solidFill>
               <a:schemeClr val="tx1"/>
             </a:solidFill>
             <a:tailEnd type="stealth" w="lg" len="lg"/>
+          </a:ln>
+        </p:spPr>
+        <p:style>
+          <a:lnRef idx="1">
+            <a:schemeClr val="accent1"/>
+          </a:lnRef>
+          <a:fillRef idx="0">
+            <a:schemeClr val="accent1"/>
+          </a:fillRef>
+          <a:effectRef idx="0">
+            <a:schemeClr val="accent1"/>
+          </a:effectRef>
+          <a:fontRef idx="minor">
+            <a:schemeClr val="tx1"/>
+          </a:fontRef>
+        </p:style>
+      </p:cxnSp>
+      <p:sp>
+        <p:nvSpPr>
+          <p:cNvPr id="47" name="Rectangle 46">
+            <a:extLst>
+              <a:ext uri="{FF2B5EF4-FFF2-40B4-BE49-F238E27FC236}">
+                <a16:creationId xmlns:a16="http://schemas.microsoft.com/office/drawing/2014/main" id="{D479FB57-A5E6-69AC-0FC2-D8F52BFE7ECF}"/>
+              </a:ext>
+            </a:extLst>
+          </p:cNvPr>
+          <p:cNvSpPr/>
+          <p:nvPr/>
+        </p:nvSpPr>
+        <p:spPr>
+          <a:xfrm>
+            <a:off x="12393392" y="4720290"/>
+            <a:ext cx="1838113" cy="1369164"/>
+          </a:xfrm>
+          <a:prstGeom prst="rect">
+            <a:avLst/>
+          </a:prstGeom>
+          <a:noFill/>
+          <a:ln w="19050">
+            <a:solidFill>
+              <a:schemeClr val="tx1"/>
+            </a:solidFill>
+            <a:prstDash val="solid"/>
+          </a:ln>
+          <a:effectLst/>
+        </p:spPr>
+        <p:style>
+          <a:lnRef idx="2">
+            <a:schemeClr val="accent1">
+              <a:shade val="50000"/>
+            </a:schemeClr>
+          </a:lnRef>
+          <a:fillRef idx="1">
+            <a:schemeClr val="accent1"/>
+          </a:fillRef>
+          <a:effectRef idx="0">
+            <a:schemeClr val="accent1"/>
+          </a:effectRef>
+          <a:fontRef idx="minor">
+            <a:schemeClr val="lt1"/>
+          </a:fontRef>
+        </p:style>
+        <p:txBody>
+          <a:bodyPr rtlCol="0" anchor="ctr"/>
+          <a:lstStyle/>
+          <a:p>
+            <a:pPr algn="ctr"/>
+            <a:endParaRPr lang="en-US"/>
+          </a:p>
+        </p:txBody>
+      </p:sp>
+      <p:sp>
+        <p:nvSpPr>
+          <p:cNvPr id="53" name="Oval 52">
+            <a:extLst>
+              <a:ext uri="{FF2B5EF4-FFF2-40B4-BE49-F238E27FC236}">
+                <a16:creationId xmlns:a16="http://schemas.microsoft.com/office/drawing/2014/main" id="{88876421-001E-D033-EB83-D402AAAB2BC7}"/>
+              </a:ext>
+            </a:extLst>
+          </p:cNvPr>
+          <p:cNvSpPr/>
+          <p:nvPr/>
+        </p:nvSpPr>
+        <p:spPr>
+          <a:xfrm>
+            <a:off x="12602676" y="5102927"/>
+            <a:ext cx="520267" cy="520267"/>
+          </a:xfrm>
+          <a:prstGeom prst="ellipse">
+            <a:avLst/>
+          </a:prstGeom>
+          <a:solidFill>
+            <a:schemeClr val="accent6">
+              <a:lumMod val="75000"/>
+            </a:schemeClr>
+          </a:solidFill>
+          <a:ln>
+            <a:noFill/>
+          </a:ln>
+        </p:spPr>
+        <p:style>
+          <a:lnRef idx="2">
+            <a:schemeClr val="accent1">
+              <a:shade val="50000"/>
+            </a:schemeClr>
+          </a:lnRef>
+          <a:fillRef idx="1">
+            <a:schemeClr val="accent1"/>
+          </a:fillRef>
+          <a:effectRef idx="0">
+            <a:schemeClr val="accent1"/>
+          </a:effectRef>
+          <a:fontRef idx="minor">
+            <a:schemeClr val="lt1"/>
+          </a:fontRef>
+        </p:style>
+        <p:txBody>
+          <a:bodyPr rtlCol="0" anchor="ctr"/>
+          <a:lstStyle/>
+          <a:p>
+            <a:pPr algn="ctr"/>
+            <a:endParaRPr lang="en-US"/>
+          </a:p>
+        </p:txBody>
+      </p:sp>
+      <p:sp>
+        <p:nvSpPr>
+          <p:cNvPr id="59" name="Parallelogram 58">
+            <a:extLst>
+              <a:ext uri="{FF2B5EF4-FFF2-40B4-BE49-F238E27FC236}">
+                <a16:creationId xmlns:a16="http://schemas.microsoft.com/office/drawing/2014/main" id="{92296A46-3E49-1F2A-DFE9-F896C6996436}"/>
+              </a:ext>
+            </a:extLst>
+          </p:cNvPr>
+          <p:cNvSpPr/>
+          <p:nvPr/>
+        </p:nvSpPr>
+        <p:spPr>
+          <a:xfrm>
+            <a:off x="12838653" y="5251242"/>
+            <a:ext cx="629439" cy="544549"/>
+          </a:xfrm>
+          <a:prstGeom prst="parallelogram">
+            <a:avLst/>
+          </a:prstGeom>
+          <a:solidFill>
+            <a:schemeClr val="accent5">
+              <a:lumMod val="60000"/>
+              <a:lumOff val="40000"/>
+            </a:schemeClr>
+          </a:solidFill>
+        </p:spPr>
+        <p:style>
+          <a:lnRef idx="2">
+            <a:schemeClr val="accent1">
+              <a:shade val="50000"/>
+            </a:schemeClr>
+          </a:lnRef>
+          <a:fillRef idx="1">
+            <a:schemeClr val="accent1"/>
+          </a:fillRef>
+          <a:effectRef idx="0">
+            <a:schemeClr val="accent1"/>
+          </a:effectRef>
+          <a:fontRef idx="minor">
+            <a:schemeClr val="lt1"/>
+          </a:fontRef>
+        </p:style>
+        <p:txBody>
+          <a:bodyPr rtlCol="0" anchor="ctr"/>
+          <a:lstStyle/>
+          <a:p>
+            <a:pPr algn="ctr"/>
+            <a:endParaRPr lang="en-US"/>
+          </a:p>
+        </p:txBody>
+      </p:sp>
+      <p:sp>
+        <p:nvSpPr>
+          <p:cNvPr id="62" name="Oval 61">
+            <a:extLst>
+              <a:ext uri="{FF2B5EF4-FFF2-40B4-BE49-F238E27FC236}">
+                <a16:creationId xmlns:a16="http://schemas.microsoft.com/office/drawing/2014/main" id="{F6A0D17C-029F-F9B7-342B-88876248DFE8}"/>
+              </a:ext>
+            </a:extLst>
+          </p:cNvPr>
+          <p:cNvSpPr/>
+          <p:nvPr/>
+        </p:nvSpPr>
+        <p:spPr>
+          <a:xfrm>
+            <a:off x="15820398" y="5102927"/>
+            <a:ext cx="520267" cy="520267"/>
+          </a:xfrm>
+          <a:prstGeom prst="ellipse">
+            <a:avLst/>
+          </a:prstGeom>
+          <a:solidFill>
+            <a:schemeClr val="accent6">
+              <a:lumMod val="75000"/>
+            </a:schemeClr>
+          </a:solidFill>
+          <a:ln>
+            <a:noFill/>
+          </a:ln>
+        </p:spPr>
+        <p:style>
+          <a:lnRef idx="2">
+            <a:schemeClr val="accent1">
+              <a:shade val="50000"/>
+            </a:schemeClr>
+          </a:lnRef>
+          <a:fillRef idx="1">
+            <a:schemeClr val="accent1"/>
+          </a:fillRef>
+          <a:effectRef idx="0">
+            <a:schemeClr val="accent1"/>
+          </a:effectRef>
+          <a:fontRef idx="minor">
+            <a:schemeClr val="lt1"/>
+          </a:fontRef>
+        </p:style>
+        <p:txBody>
+          <a:bodyPr rtlCol="0" anchor="ctr"/>
+          <a:lstStyle/>
+          <a:p>
+            <a:pPr algn="ctr"/>
+            <a:endParaRPr lang="en-US"/>
+          </a:p>
+        </p:txBody>
+      </p:sp>
+      <p:sp>
+        <p:nvSpPr>
+          <p:cNvPr id="64" name="Parallelogram 63">
+            <a:extLst>
+              <a:ext uri="{FF2B5EF4-FFF2-40B4-BE49-F238E27FC236}">
+                <a16:creationId xmlns:a16="http://schemas.microsoft.com/office/drawing/2014/main" id="{65C69F12-2656-C10D-2634-244AE0D79701}"/>
+              </a:ext>
+            </a:extLst>
+          </p:cNvPr>
+          <p:cNvSpPr/>
+          <p:nvPr/>
+        </p:nvSpPr>
+        <p:spPr>
+          <a:xfrm>
+            <a:off x="16056375" y="5251242"/>
+            <a:ext cx="629439" cy="544549"/>
+          </a:xfrm>
+          <a:prstGeom prst="parallelogram">
+            <a:avLst/>
+          </a:prstGeom>
+          <a:solidFill>
+            <a:schemeClr val="accent5">
+              <a:lumMod val="60000"/>
+              <a:lumOff val="40000"/>
+            </a:schemeClr>
+          </a:solidFill>
+        </p:spPr>
+        <p:style>
+          <a:lnRef idx="2">
+            <a:schemeClr val="accent1">
+              <a:shade val="50000"/>
+            </a:schemeClr>
+          </a:lnRef>
+          <a:fillRef idx="1">
+            <a:schemeClr val="accent1"/>
+          </a:fillRef>
+          <a:effectRef idx="0">
+            <a:schemeClr val="accent1"/>
+          </a:effectRef>
+          <a:fontRef idx="minor">
+            <a:schemeClr val="lt1"/>
+          </a:fontRef>
+        </p:style>
+        <p:txBody>
+          <a:bodyPr rtlCol="0" anchor="ctr"/>
+          <a:lstStyle/>
+          <a:p>
+            <a:pPr algn="ctr"/>
+            <a:endParaRPr lang="en-US"/>
+          </a:p>
+        </p:txBody>
+      </p:sp>
+      <p:sp>
+        <p:nvSpPr>
+          <p:cNvPr id="61" name="Rectangle 60">
+            <a:extLst>
+              <a:ext uri="{FF2B5EF4-FFF2-40B4-BE49-F238E27FC236}">
+                <a16:creationId xmlns:a16="http://schemas.microsoft.com/office/drawing/2014/main" id="{C8E9FAB1-7967-D008-A947-B86C4605B8A9}"/>
+              </a:ext>
+            </a:extLst>
+          </p:cNvPr>
+          <p:cNvSpPr/>
+          <p:nvPr/>
+        </p:nvSpPr>
+        <p:spPr>
+          <a:xfrm>
+            <a:off x="15611114" y="4720290"/>
+            <a:ext cx="1838113" cy="1369164"/>
+          </a:xfrm>
+          <a:prstGeom prst="rect">
+            <a:avLst/>
+          </a:prstGeom>
+          <a:noFill/>
+          <a:ln w="19050">
+            <a:solidFill>
+              <a:schemeClr val="tx1"/>
+            </a:solidFill>
+            <a:prstDash val="solid"/>
+          </a:ln>
+          <a:effectLst/>
+        </p:spPr>
+        <p:style>
+          <a:lnRef idx="2">
+            <a:schemeClr val="accent1">
+              <a:shade val="50000"/>
+            </a:schemeClr>
+          </a:lnRef>
+          <a:fillRef idx="1">
+            <a:schemeClr val="accent1"/>
+          </a:fillRef>
+          <a:effectRef idx="0">
+            <a:schemeClr val="accent1"/>
+          </a:effectRef>
+          <a:fontRef idx="minor">
+            <a:schemeClr val="lt1"/>
+          </a:fontRef>
+        </p:style>
+        <p:txBody>
+          <a:bodyPr rtlCol="0" anchor="t" anchorCtr="0"/>
+          <a:lstStyle/>
+          <a:p>
+            <a:pPr algn="ctr"/>
+            <a:r>
+              <a:rPr lang="en-US" dirty="0">
+                <a:solidFill>
+                  <a:schemeClr val="tx1"/>
+                </a:solidFill>
+              </a:rPr>
+              <a:t>Annotation</a:t>
+            </a:r>
+          </a:p>
+        </p:txBody>
+      </p:sp>
+      <p:cxnSp>
+        <p:nvCxnSpPr>
+          <p:cNvPr id="16" name="Straight Arrow Connector 15">
+            <a:extLst>
+              <a:ext uri="{FF2B5EF4-FFF2-40B4-BE49-F238E27FC236}">
+                <a16:creationId xmlns:a16="http://schemas.microsoft.com/office/drawing/2014/main" id="{B1A0BFBB-F5E6-5AA0-53CA-7051C7B4365B}"/>
+              </a:ext>
+            </a:extLst>
+          </p:cNvPr>
+          <p:cNvCxnSpPr>
+            <a:cxnSpLocks/>
+            <a:stCxn id="103" idx="3"/>
+            <a:endCxn id="47" idx="0"/>
+          </p:cNvCxnSpPr>
+          <p:nvPr/>
+        </p:nvCxnSpPr>
+        <p:spPr>
+          <a:xfrm>
+            <a:off x="12690182" y="2594806"/>
+            <a:ext cx="622266" cy="2125484"/>
+          </a:xfrm>
+          <a:prstGeom prst="straightConnector1">
+            <a:avLst/>
+          </a:prstGeom>
+          <a:ln w="12700">
+            <a:solidFill>
+              <a:schemeClr val="tx1"/>
+            </a:solidFill>
+            <a:tailEnd type="triangle"/>
           </a:ln>
         </p:spPr>
         <p:style>
@@ -4670,29 +4161,29 @@
       </p:cxnSp>
       <p:cxnSp>
         <p:nvCxnSpPr>
-          <p:cNvPr id="36" name="Straight Arrow Connector 35">
+          <p:cNvPr id="75" name="Straight Arrow Connector 74">
             <a:extLst>
               <a:ext uri="{FF2B5EF4-FFF2-40B4-BE49-F238E27FC236}">
-                <a16:creationId xmlns:a16="http://schemas.microsoft.com/office/drawing/2014/main" id="{CFFB96AB-D411-2F89-F488-6DDC12531E7F}"/>
+                <a16:creationId xmlns:a16="http://schemas.microsoft.com/office/drawing/2014/main" id="{11E9FE10-99A5-59AF-74F4-17CB26EA26C3}"/>
               </a:ext>
             </a:extLst>
           </p:cNvPr>
           <p:cNvCxnSpPr>
             <a:cxnSpLocks/>
-            <a:stCxn id="28" idx="3"/>
-            <a:endCxn id="34" idx="1"/>
+            <a:stCxn id="104" idx="3"/>
+            <a:endCxn id="61" idx="0"/>
           </p:cNvCxnSpPr>
           <p:nvPr/>
         </p:nvCxnSpPr>
         <p:spPr>
-          <a:xfrm flipV="1">
-            <a:off x="6041052" y="2159952"/>
-            <a:ext cx="1959948" cy="4027880"/>
+          <a:xfrm>
+            <a:off x="15782712" y="2589582"/>
+            <a:ext cx="747458" cy="2130708"/>
           </a:xfrm>
           <a:prstGeom prst="straightConnector1">
             <a:avLst/>
           </a:prstGeom>
-          <a:ln>
+          <a:ln w="12700">
             <a:solidFill>
               <a:schemeClr val="tx1"/>
             </a:solidFill>
@@ -4716,10 +4207,446 @@
       </p:cxnSp>
       <p:sp>
         <p:nvSpPr>
-          <p:cNvPr id="44" name="TextBox 43">
+          <p:cNvPr id="76" name="Rectangle 75">
             <a:extLst>
               <a:ext uri="{FF2B5EF4-FFF2-40B4-BE49-F238E27FC236}">
-                <a16:creationId xmlns:a16="http://schemas.microsoft.com/office/drawing/2014/main" id="{FE07212A-D3C4-4FF1-FEAC-90B00C41534E}"/>
+                <a16:creationId xmlns:a16="http://schemas.microsoft.com/office/drawing/2014/main" id="{0EE89DD9-B991-0247-00E3-83BFFB0E6046}"/>
+              </a:ext>
+            </a:extLst>
+          </p:cNvPr>
+          <p:cNvSpPr/>
+          <p:nvPr/>
+        </p:nvSpPr>
+        <p:spPr>
+          <a:xfrm>
+            <a:off x="9013957" y="4720290"/>
+            <a:ext cx="1838113" cy="1369164"/>
+          </a:xfrm>
+          <a:prstGeom prst="rect">
+            <a:avLst/>
+          </a:prstGeom>
+          <a:noFill/>
+          <a:ln w="19050">
+            <a:solidFill>
+              <a:schemeClr val="tx1"/>
+            </a:solidFill>
+            <a:prstDash val="solid"/>
+          </a:ln>
+          <a:effectLst/>
+        </p:spPr>
+        <p:style>
+          <a:lnRef idx="2">
+            <a:schemeClr val="accent1">
+              <a:shade val="50000"/>
+            </a:schemeClr>
+          </a:lnRef>
+          <a:fillRef idx="1">
+            <a:schemeClr val="accent1"/>
+          </a:fillRef>
+          <a:effectRef idx="0">
+            <a:schemeClr val="accent1"/>
+          </a:effectRef>
+          <a:fontRef idx="minor">
+            <a:schemeClr val="lt1"/>
+          </a:fontRef>
+        </p:style>
+        <p:txBody>
+          <a:bodyPr rtlCol="0" anchor="ctr"/>
+          <a:lstStyle/>
+          <a:p>
+            <a:pPr algn="ctr"/>
+            <a:endParaRPr lang="en-US"/>
+          </a:p>
+        </p:txBody>
+      </p:sp>
+      <p:sp>
+        <p:nvSpPr>
+          <p:cNvPr id="77" name="Oval 76">
+            <a:extLst>
+              <a:ext uri="{FF2B5EF4-FFF2-40B4-BE49-F238E27FC236}">
+                <a16:creationId xmlns:a16="http://schemas.microsoft.com/office/drawing/2014/main" id="{A17A9676-480D-2599-B988-37C000E53EC3}"/>
+              </a:ext>
+            </a:extLst>
+          </p:cNvPr>
+          <p:cNvSpPr/>
+          <p:nvPr/>
+        </p:nvSpPr>
+        <p:spPr>
+          <a:xfrm>
+            <a:off x="9223241" y="5102927"/>
+            <a:ext cx="520267" cy="520267"/>
+          </a:xfrm>
+          <a:prstGeom prst="ellipse">
+            <a:avLst/>
+          </a:prstGeom>
+          <a:solidFill>
+            <a:schemeClr val="accent6">
+              <a:lumMod val="75000"/>
+            </a:schemeClr>
+          </a:solidFill>
+          <a:ln>
+            <a:noFill/>
+          </a:ln>
+        </p:spPr>
+        <p:style>
+          <a:lnRef idx="2">
+            <a:schemeClr val="accent1">
+              <a:shade val="50000"/>
+            </a:schemeClr>
+          </a:lnRef>
+          <a:fillRef idx="1">
+            <a:schemeClr val="accent1"/>
+          </a:fillRef>
+          <a:effectRef idx="0">
+            <a:schemeClr val="accent1"/>
+          </a:effectRef>
+          <a:fontRef idx="minor">
+            <a:schemeClr val="lt1"/>
+          </a:fontRef>
+        </p:style>
+        <p:txBody>
+          <a:bodyPr rtlCol="0" anchor="ctr"/>
+          <a:lstStyle/>
+          <a:p>
+            <a:pPr algn="ctr"/>
+            <a:endParaRPr lang="en-US"/>
+          </a:p>
+        </p:txBody>
+      </p:sp>
+      <p:sp>
+        <p:nvSpPr>
+          <p:cNvPr id="78" name="Rectangle 77">
+            <a:extLst>
+              <a:ext uri="{FF2B5EF4-FFF2-40B4-BE49-F238E27FC236}">
+                <a16:creationId xmlns:a16="http://schemas.microsoft.com/office/drawing/2014/main" id="{A4F1C2A6-6947-644E-0E19-8AD8B3A36E17}"/>
+              </a:ext>
+            </a:extLst>
+          </p:cNvPr>
+          <p:cNvSpPr/>
+          <p:nvPr/>
+        </p:nvSpPr>
+        <p:spPr>
+          <a:xfrm>
+            <a:off x="6676374" y="4720290"/>
+            <a:ext cx="1838113" cy="1369164"/>
+          </a:xfrm>
+          <a:prstGeom prst="rect">
+            <a:avLst/>
+          </a:prstGeom>
+          <a:noFill/>
+          <a:ln w="19050">
+            <a:solidFill>
+              <a:schemeClr val="tx1"/>
+            </a:solidFill>
+            <a:prstDash val="solid"/>
+          </a:ln>
+          <a:effectLst/>
+        </p:spPr>
+        <p:style>
+          <a:lnRef idx="2">
+            <a:schemeClr val="accent1">
+              <a:shade val="50000"/>
+            </a:schemeClr>
+          </a:lnRef>
+          <a:fillRef idx="1">
+            <a:schemeClr val="accent1"/>
+          </a:fillRef>
+          <a:effectRef idx="0">
+            <a:schemeClr val="accent1"/>
+          </a:effectRef>
+          <a:fontRef idx="minor">
+            <a:schemeClr val="lt1"/>
+          </a:fontRef>
+        </p:style>
+        <p:txBody>
+          <a:bodyPr rtlCol="0" anchor="ctr"/>
+          <a:lstStyle/>
+          <a:p>
+            <a:pPr algn="ctr"/>
+            <a:endParaRPr lang="en-US"/>
+          </a:p>
+        </p:txBody>
+      </p:sp>
+      <p:sp>
+        <p:nvSpPr>
+          <p:cNvPr id="79" name="Parallelogram 78">
+            <a:extLst>
+              <a:ext uri="{FF2B5EF4-FFF2-40B4-BE49-F238E27FC236}">
+                <a16:creationId xmlns:a16="http://schemas.microsoft.com/office/drawing/2014/main" id="{1A2DA636-8484-AD48-72A4-1B1148A6D7C0}"/>
+              </a:ext>
+            </a:extLst>
+          </p:cNvPr>
+          <p:cNvSpPr/>
+          <p:nvPr/>
+        </p:nvSpPr>
+        <p:spPr>
+          <a:xfrm>
+            <a:off x="7121635" y="5251242"/>
+            <a:ext cx="629439" cy="544549"/>
+          </a:xfrm>
+          <a:prstGeom prst="parallelogram">
+            <a:avLst/>
+          </a:prstGeom>
+          <a:solidFill>
+            <a:schemeClr val="accent5">
+              <a:lumMod val="60000"/>
+              <a:lumOff val="40000"/>
+            </a:schemeClr>
+          </a:solidFill>
+        </p:spPr>
+        <p:style>
+          <a:lnRef idx="2">
+            <a:schemeClr val="accent1">
+              <a:shade val="50000"/>
+            </a:schemeClr>
+          </a:lnRef>
+          <a:fillRef idx="1">
+            <a:schemeClr val="accent1"/>
+          </a:fillRef>
+          <a:effectRef idx="0">
+            <a:schemeClr val="accent1"/>
+          </a:effectRef>
+          <a:fontRef idx="minor">
+            <a:schemeClr val="lt1"/>
+          </a:fontRef>
+        </p:style>
+        <p:txBody>
+          <a:bodyPr rtlCol="0" anchor="ctr"/>
+          <a:lstStyle/>
+          <a:p>
+            <a:pPr algn="ctr"/>
+            <a:endParaRPr lang="en-US"/>
+          </a:p>
+        </p:txBody>
+      </p:sp>
+      <p:cxnSp>
+        <p:nvCxnSpPr>
+          <p:cNvPr id="80" name="Straight Arrow Connector 79">
+            <a:extLst>
+              <a:ext uri="{FF2B5EF4-FFF2-40B4-BE49-F238E27FC236}">
+                <a16:creationId xmlns:a16="http://schemas.microsoft.com/office/drawing/2014/main" id="{0AA67FEC-42D4-E53E-7BD0-6910C8967461}"/>
+              </a:ext>
+            </a:extLst>
+          </p:cNvPr>
+          <p:cNvCxnSpPr>
+            <a:cxnSpLocks/>
+            <a:stCxn id="101" idx="3"/>
+            <a:endCxn id="76" idx="0"/>
+          </p:cNvCxnSpPr>
+          <p:nvPr/>
+        </p:nvCxnSpPr>
+        <p:spPr>
+          <a:xfrm>
+            <a:off x="6389999" y="1356360"/>
+            <a:ext cx="3543014" cy="3363931"/>
+          </a:xfrm>
+          <a:prstGeom prst="straightConnector1">
+            <a:avLst/>
+          </a:prstGeom>
+          <a:ln w="12700">
+            <a:solidFill>
+              <a:schemeClr val="tx1"/>
+            </a:solidFill>
+            <a:tailEnd type="stealth" w="lg" len="lg"/>
+          </a:ln>
+        </p:spPr>
+        <p:style>
+          <a:lnRef idx="1">
+            <a:schemeClr val="accent1"/>
+          </a:lnRef>
+          <a:fillRef idx="0">
+            <a:schemeClr val="accent1"/>
+          </a:fillRef>
+          <a:effectRef idx="0">
+            <a:schemeClr val="accent1"/>
+          </a:effectRef>
+          <a:fontRef idx="minor">
+            <a:schemeClr val="tx1"/>
+          </a:fontRef>
+        </p:style>
+      </p:cxnSp>
+      <p:cxnSp>
+        <p:nvCxnSpPr>
+          <p:cNvPr id="81" name="Straight Arrow Connector 80">
+            <a:extLst>
+              <a:ext uri="{FF2B5EF4-FFF2-40B4-BE49-F238E27FC236}">
+                <a16:creationId xmlns:a16="http://schemas.microsoft.com/office/drawing/2014/main" id="{B13991A5-3832-853B-124C-38C2B02FD362}"/>
+              </a:ext>
+            </a:extLst>
+          </p:cNvPr>
+          <p:cNvCxnSpPr>
+            <a:cxnSpLocks/>
+            <a:stCxn id="102" idx="3"/>
+            <a:endCxn id="78" idx="0"/>
+          </p:cNvCxnSpPr>
+          <p:nvPr/>
+        </p:nvCxnSpPr>
+        <p:spPr>
+          <a:xfrm>
+            <a:off x="6384286" y="3274164"/>
+            <a:ext cx="1211145" cy="1446126"/>
+          </a:xfrm>
+          <a:prstGeom prst="straightConnector1">
+            <a:avLst/>
+          </a:prstGeom>
+          <a:ln w="12700">
+            <a:solidFill>
+              <a:schemeClr val="tx1"/>
+            </a:solidFill>
+            <a:tailEnd type="stealth" w="lg" len="lg"/>
+          </a:ln>
+        </p:spPr>
+        <p:style>
+          <a:lnRef idx="1">
+            <a:schemeClr val="accent1"/>
+          </a:lnRef>
+          <a:fillRef idx="0">
+            <a:schemeClr val="accent1"/>
+          </a:fillRef>
+          <a:effectRef idx="0">
+            <a:schemeClr val="accent1"/>
+          </a:effectRef>
+          <a:fontRef idx="minor">
+            <a:schemeClr val="tx1"/>
+          </a:fontRef>
+        </p:style>
+      </p:cxnSp>
+      <p:sp>
+        <p:nvSpPr>
+          <p:cNvPr id="102" name="Rounded Rectangle 101">
+            <a:extLst>
+              <a:ext uri="{FF2B5EF4-FFF2-40B4-BE49-F238E27FC236}">
+                <a16:creationId xmlns:a16="http://schemas.microsoft.com/office/drawing/2014/main" id="{92E2B3B1-BC32-5FFD-538B-CEF3BF08C7C7}"/>
+              </a:ext>
+            </a:extLst>
+          </p:cNvPr>
+          <p:cNvSpPr/>
+          <p:nvPr/>
+        </p:nvSpPr>
+        <p:spPr>
+          <a:xfrm>
+            <a:off x="4546173" y="2589582"/>
+            <a:ext cx="1838113" cy="1369164"/>
+          </a:xfrm>
+          <a:prstGeom prst="roundRect">
+            <a:avLst>
+              <a:gd name="adj" fmla="val 8924"/>
+            </a:avLst>
+          </a:prstGeom>
+          <a:solidFill>
+            <a:schemeClr val="bg1">
+              <a:lumMod val="75000"/>
+            </a:schemeClr>
+          </a:solidFill>
+          <a:ln>
+            <a:solidFill>
+              <a:schemeClr val="tx1"/>
+            </a:solidFill>
+          </a:ln>
+        </p:spPr>
+        <p:style>
+          <a:lnRef idx="2">
+            <a:schemeClr val="accent1">
+              <a:shade val="50000"/>
+            </a:schemeClr>
+          </a:lnRef>
+          <a:fillRef idx="1">
+            <a:schemeClr val="accent1"/>
+          </a:fillRef>
+          <a:effectRef idx="0">
+            <a:schemeClr val="accent1"/>
+          </a:effectRef>
+          <a:fontRef idx="minor">
+            <a:schemeClr val="lt1"/>
+          </a:fontRef>
+        </p:style>
+        <p:txBody>
+          <a:bodyPr rtlCol="0" anchor="ctr"/>
+          <a:lstStyle/>
+          <a:p>
+            <a:pPr algn="ctr"/>
+            <a:r>
+              <a:rPr lang="en-US" dirty="0">
+                <a:solidFill>
+                  <a:schemeClr val="tx1"/>
+                </a:solidFill>
+              </a:rPr>
+              <a:t>Image Render</a:t>
+            </a:r>
+          </a:p>
+        </p:txBody>
+      </p:sp>
+      <p:sp>
+        <p:nvSpPr>
+          <p:cNvPr id="104" name="Rounded Rectangle 103">
+            <a:extLst>
+              <a:ext uri="{FF2B5EF4-FFF2-40B4-BE49-F238E27FC236}">
+                <a16:creationId xmlns:a16="http://schemas.microsoft.com/office/drawing/2014/main" id="{6306E8EB-0649-98A3-C19D-FDA9D11D610A}"/>
+              </a:ext>
+            </a:extLst>
+          </p:cNvPr>
+          <p:cNvSpPr/>
+          <p:nvPr/>
+        </p:nvSpPr>
+        <p:spPr>
+          <a:xfrm>
+            <a:off x="13944600" y="1905000"/>
+            <a:ext cx="1838113" cy="1369164"/>
+          </a:xfrm>
+          <a:prstGeom prst="roundRect">
+            <a:avLst>
+              <a:gd name="adj" fmla="val 8924"/>
+            </a:avLst>
+          </a:prstGeom>
+          <a:solidFill>
+            <a:schemeClr val="bg1">
+              <a:lumMod val="75000"/>
+            </a:schemeClr>
+          </a:solidFill>
+          <a:ln>
+            <a:solidFill>
+              <a:schemeClr val="tx1"/>
+            </a:solidFill>
+          </a:ln>
+        </p:spPr>
+        <p:style>
+          <a:lnRef idx="2">
+            <a:schemeClr val="accent1">
+              <a:shade val="50000"/>
+            </a:schemeClr>
+          </a:lnRef>
+          <a:fillRef idx="1">
+            <a:schemeClr val="accent1"/>
+          </a:fillRef>
+          <a:effectRef idx="0">
+            <a:schemeClr val="accent1"/>
+          </a:effectRef>
+          <a:fontRef idx="minor">
+            <a:schemeClr val="lt1"/>
+          </a:fontRef>
+        </p:style>
+        <p:txBody>
+          <a:bodyPr rtlCol="0" anchor="ctr"/>
+          <a:lstStyle/>
+          <a:p>
+            <a:pPr algn="ctr"/>
+            <a:r>
+              <a:rPr lang="en-US" dirty="0">
+                <a:solidFill>
+                  <a:schemeClr val="tx1"/>
+                </a:solidFill>
+              </a:rPr>
+              <a:t>Annotation</a:t>
+            </a:r>
+          </a:p>
+        </p:txBody>
+      </p:sp>
+      <p:sp>
+        <p:nvSpPr>
+          <p:cNvPr id="117" name="TextBox 116">
+            <a:extLst>
+              <a:ext uri="{FF2B5EF4-FFF2-40B4-BE49-F238E27FC236}">
+                <a16:creationId xmlns:a16="http://schemas.microsoft.com/office/drawing/2014/main" id="{EB5A1280-C2EC-62D8-B891-548F78AEAFC5}"/>
               </a:ext>
             </a:extLst>
           </p:cNvPr>
@@ -4728,8 +4655,8 @@
         </p:nvSpPr>
         <p:spPr>
           <a:xfrm>
-            <a:off x="3423589" y="5878805"/>
-            <a:ext cx="1313122" cy="369332"/>
+            <a:off x="6676374" y="6089454"/>
+            <a:ext cx="1838113" cy="369332"/>
           </a:xfrm>
           <a:prstGeom prst="rect">
             <a:avLst/>
@@ -4742,13 +4669,118 @@
           </a:bodyPr>
           <a:lstStyle/>
           <a:p>
-            <a:r>
-              <a:rPr lang="en-US" dirty="0" err="1"/>
-              <a:t>bg</a:t>
-            </a:r>
+            <a:pPr algn="ctr"/>
             <a:r>
               <a:rPr lang="en-US" dirty="0"/>
-              <a:t> layer</a:t>
+              <a:t>output</a:t>
+            </a:r>
+          </a:p>
+        </p:txBody>
+      </p:sp>
+      <p:sp>
+        <p:nvSpPr>
+          <p:cNvPr id="119" name="TextBox 118">
+            <a:extLst>
+              <a:ext uri="{FF2B5EF4-FFF2-40B4-BE49-F238E27FC236}">
+                <a16:creationId xmlns:a16="http://schemas.microsoft.com/office/drawing/2014/main" id="{A651FDE6-816F-42A9-872E-18B170394E28}"/>
+              </a:ext>
+            </a:extLst>
+          </p:cNvPr>
+          <p:cNvSpPr txBox="1"/>
+          <p:nvPr/>
+        </p:nvSpPr>
+        <p:spPr>
+          <a:xfrm>
+            <a:off x="9013957" y="6089454"/>
+            <a:ext cx="1851535" cy="369332"/>
+          </a:xfrm>
+          <a:prstGeom prst="rect">
+            <a:avLst/>
+          </a:prstGeom>
+          <a:noFill/>
+        </p:spPr>
+        <p:txBody>
+          <a:bodyPr wrap="square" rtlCol="0">
+            <a:spAutoFit/>
+          </a:bodyPr>
+          <a:lstStyle/>
+          <a:p>
+            <a:pPr algn="ctr"/>
+            <a:r>
+              <a:rPr lang="en-US" dirty="0"/>
+              <a:t>output</a:t>
+            </a:r>
+          </a:p>
+        </p:txBody>
+      </p:sp>
+      <p:sp>
+        <p:nvSpPr>
+          <p:cNvPr id="120" name="TextBox 119">
+            <a:extLst>
+              <a:ext uri="{FF2B5EF4-FFF2-40B4-BE49-F238E27FC236}">
+                <a16:creationId xmlns:a16="http://schemas.microsoft.com/office/drawing/2014/main" id="{00400FDF-0401-65BA-C1F7-D4C981B09BF7}"/>
+              </a:ext>
+            </a:extLst>
+          </p:cNvPr>
+          <p:cNvSpPr txBox="1"/>
+          <p:nvPr/>
+        </p:nvSpPr>
+        <p:spPr>
+          <a:xfrm>
+            <a:off x="12393392" y="6102758"/>
+            <a:ext cx="1838113" cy="369332"/>
+          </a:xfrm>
+          <a:prstGeom prst="rect">
+            <a:avLst/>
+          </a:prstGeom>
+          <a:noFill/>
+        </p:spPr>
+        <p:txBody>
+          <a:bodyPr wrap="square" rtlCol="0">
+            <a:spAutoFit/>
+          </a:bodyPr>
+          <a:lstStyle/>
+          <a:p>
+            <a:pPr algn="ctr"/>
+            <a:r>
+              <a:rPr lang="en-US" dirty="0"/>
+              <a:t>output</a:t>
+            </a:r>
+          </a:p>
+        </p:txBody>
+      </p:sp>
+      <p:sp>
+        <p:nvSpPr>
+          <p:cNvPr id="121" name="TextBox 120">
+            <a:extLst>
+              <a:ext uri="{FF2B5EF4-FFF2-40B4-BE49-F238E27FC236}">
+                <a16:creationId xmlns:a16="http://schemas.microsoft.com/office/drawing/2014/main" id="{5D389D1B-9406-EB00-6C54-A949F31CFE89}"/>
+              </a:ext>
+            </a:extLst>
+          </p:cNvPr>
+          <p:cNvSpPr txBox="1"/>
+          <p:nvPr/>
+        </p:nvSpPr>
+        <p:spPr>
+          <a:xfrm>
+            <a:off x="15611113" y="6102758"/>
+            <a:ext cx="1838113" cy="369332"/>
+          </a:xfrm>
+          <a:prstGeom prst="rect">
+            <a:avLst/>
+          </a:prstGeom>
+          <a:noFill/>
+        </p:spPr>
+        <p:txBody>
+          <a:bodyPr wrap="square" rtlCol="0">
+            <a:spAutoFit/>
+          </a:bodyPr>
+          <a:lstStyle/>
+          <a:p>
+            <a:pPr algn="ctr"/>
+            <a:r>
+              <a:rPr lang="en-US" dirty="0"/>
+              <a:t>output</a:t>
             </a:r>
           </a:p>
         </p:txBody>
@@ -4769,7 +4801,7 @@
 <file path=ppt/theme/theme1.xml><?xml version="1.0" encoding="utf-8"?>
 <a:theme xmlns:a="http://schemas.openxmlformats.org/drawingml/2006/main" name="Office Theme">
   <a:themeElements>
-    <a:clrScheme name="Office">
+    <a:clrScheme name="Office Theme">
       <a:dk1>
         <a:sysClr val="windowText" lastClr="000000"/>
       </a:dk1>
@@ -4807,7 +4839,7 @@
         <a:srgbClr val="954F72"/>
       </a:folHlink>
     </a:clrScheme>
-    <a:fontScheme name="Office">
+    <a:fontScheme name="Office Theme">
       <a:majorFont>
         <a:latin typeface="Calibri Light" panose="020F0302020204030204"/>
         <a:ea typeface=""/>
@@ -4842,23 +4874,6 @@
         <a:font script="Viet" typeface="Times New Roman"/>
         <a:font script="Uigh" typeface="Microsoft Uighur"/>
         <a:font script="Geor" typeface="Sylfaen"/>
-        <a:font script="Armn" typeface="Arial"/>
-        <a:font script="Bugi" typeface="Leelawadee UI"/>
-        <a:font script="Bopo" typeface="Microsoft JhengHei"/>
-        <a:font script="Java" typeface="Javanese Text"/>
-        <a:font script="Lisu" typeface="Segoe UI"/>
-        <a:font script="Mymr" typeface="Myanmar Text"/>
-        <a:font script="Nkoo" typeface="Ebrima"/>
-        <a:font script="Olck" typeface="Nirmala UI"/>
-        <a:font script="Osma" typeface="Ebrima"/>
-        <a:font script="Phag" typeface="Phagspa"/>
-        <a:font script="Syrn" typeface="Estrangelo Edessa"/>
-        <a:font script="Syrj" typeface="Estrangelo Edessa"/>
-        <a:font script="Syre" typeface="Estrangelo Edessa"/>
-        <a:font script="Sora" typeface="Nirmala UI"/>
-        <a:font script="Tale" typeface="Microsoft Tai Le"/>
-        <a:font script="Talu" typeface="Microsoft New Tai Lue"/>
-        <a:font script="Tfng" typeface="Ebrima"/>
       </a:majorFont>
       <a:minorFont>
         <a:latin typeface="Calibri" panose="020F0502020204030204"/>
@@ -4894,26 +4909,9 @@
         <a:font script="Viet" typeface="Arial"/>
         <a:font script="Uigh" typeface="Microsoft Uighur"/>
         <a:font script="Geor" typeface="Sylfaen"/>
-        <a:font script="Armn" typeface="Arial"/>
-        <a:font script="Bugi" typeface="Leelawadee UI"/>
-        <a:font script="Bopo" typeface="Microsoft JhengHei"/>
-        <a:font script="Java" typeface="Javanese Text"/>
-        <a:font script="Lisu" typeface="Segoe UI"/>
-        <a:font script="Mymr" typeface="Myanmar Text"/>
-        <a:font script="Nkoo" typeface="Ebrima"/>
-        <a:font script="Olck" typeface="Nirmala UI"/>
-        <a:font script="Osma" typeface="Ebrima"/>
-        <a:font script="Phag" typeface="Phagspa"/>
-        <a:font script="Syrn" typeface="Estrangelo Edessa"/>
-        <a:font script="Syrj" typeface="Estrangelo Edessa"/>
-        <a:font script="Syre" typeface="Estrangelo Edessa"/>
-        <a:font script="Sora" typeface="Nirmala UI"/>
-        <a:font script="Tale" typeface="Microsoft Tai Le"/>
-        <a:font script="Talu" typeface="Microsoft New Tai Lue"/>
-        <a:font script="Tfng" typeface="Ebrima"/>
       </a:minorFont>
     </a:fontScheme>
-    <a:fmtScheme name="Office">
+    <a:fmtScheme name="Office Theme">
       <a:fillStyleLst>
         <a:solidFill>
           <a:schemeClr val="phClr"/>

--- a/doc/diagrams.pptx
+++ b/doc/diagrams.pptx
@@ -4785,6 +4785,281 @@
           </a:p>
         </p:txBody>
       </p:sp>
+      <p:sp>
+        <p:nvSpPr>
+          <p:cNvPr id="2" name="Oval 1">
+            <a:extLst>
+              <a:ext uri="{FF2B5EF4-FFF2-40B4-BE49-F238E27FC236}">
+                <a16:creationId xmlns:a16="http://schemas.microsoft.com/office/drawing/2014/main" id="{54D268D4-56B8-5873-404A-1C3F8C45430D}"/>
+              </a:ext>
+            </a:extLst>
+          </p:cNvPr>
+          <p:cNvSpPr/>
+          <p:nvPr/>
+        </p:nvSpPr>
+        <p:spPr>
+          <a:xfrm>
+            <a:off x="4353069" y="482242"/>
+            <a:ext cx="386208" cy="386208"/>
+          </a:xfrm>
+          <a:prstGeom prst="ellipse">
+            <a:avLst/>
+          </a:prstGeom>
+          <a:solidFill>
+            <a:schemeClr val="bg1"/>
+          </a:solidFill>
+          <a:ln w="19050">
+            <a:solidFill>
+              <a:schemeClr val="tx1"/>
+            </a:solidFill>
+          </a:ln>
+          <a:effectLst>
+            <a:outerShdw blurRad="50800" dist="38100" dir="2700000" algn="tl" rotWithShape="0">
+              <a:prstClr val="black">
+                <a:alpha val="40000"/>
+              </a:prstClr>
+            </a:outerShdw>
+          </a:effectLst>
+        </p:spPr>
+        <p:style>
+          <a:lnRef idx="2">
+            <a:schemeClr val="accent1">
+              <a:shade val="50000"/>
+            </a:schemeClr>
+          </a:lnRef>
+          <a:fillRef idx="1">
+            <a:schemeClr val="accent1"/>
+          </a:fillRef>
+          <a:effectRef idx="0">
+            <a:schemeClr val="accent1"/>
+          </a:effectRef>
+          <a:fontRef idx="minor">
+            <a:schemeClr val="lt1"/>
+          </a:fontRef>
+        </p:style>
+        <p:txBody>
+          <a:bodyPr rtlCol="0" anchor="ctr"/>
+          <a:lstStyle/>
+          <a:p>
+            <a:pPr algn="ctr"/>
+            <a:r>
+              <a:rPr lang="en-US" dirty="0">
+                <a:solidFill>
+                  <a:schemeClr val="tx1"/>
+                </a:solidFill>
+              </a:rPr>
+              <a:t>1</a:t>
+            </a:r>
+          </a:p>
+        </p:txBody>
+      </p:sp>
+      <p:sp>
+        <p:nvSpPr>
+          <p:cNvPr id="40" name="Oval 39">
+            <a:extLst>
+              <a:ext uri="{FF2B5EF4-FFF2-40B4-BE49-F238E27FC236}">
+                <a16:creationId xmlns:a16="http://schemas.microsoft.com/office/drawing/2014/main" id="{A487D621-F105-B891-B823-D56D7344982D}"/>
+              </a:ext>
+            </a:extLst>
+          </p:cNvPr>
+          <p:cNvSpPr/>
+          <p:nvPr/>
+        </p:nvSpPr>
+        <p:spPr>
+          <a:xfrm>
+            <a:off x="4372773" y="2404829"/>
+            <a:ext cx="386208" cy="386208"/>
+          </a:xfrm>
+          <a:prstGeom prst="ellipse">
+            <a:avLst/>
+          </a:prstGeom>
+          <a:solidFill>
+            <a:schemeClr val="bg1"/>
+          </a:solidFill>
+          <a:ln w="19050">
+            <a:solidFill>
+              <a:schemeClr val="tx1"/>
+            </a:solidFill>
+          </a:ln>
+          <a:effectLst>
+            <a:outerShdw blurRad="50800" dist="38100" dir="2700000" algn="tl" rotWithShape="0">
+              <a:prstClr val="black">
+                <a:alpha val="40000"/>
+              </a:prstClr>
+            </a:outerShdw>
+          </a:effectLst>
+        </p:spPr>
+        <p:style>
+          <a:lnRef idx="2">
+            <a:schemeClr val="accent1">
+              <a:shade val="50000"/>
+            </a:schemeClr>
+          </a:lnRef>
+          <a:fillRef idx="1">
+            <a:schemeClr val="accent1"/>
+          </a:fillRef>
+          <a:effectRef idx="0">
+            <a:schemeClr val="accent1"/>
+          </a:effectRef>
+          <a:fontRef idx="minor">
+            <a:schemeClr val="lt1"/>
+          </a:fontRef>
+        </p:style>
+        <p:txBody>
+          <a:bodyPr rtlCol="0" anchor="ctr"/>
+          <a:lstStyle/>
+          <a:p>
+            <a:pPr algn="ctr"/>
+            <a:r>
+              <a:rPr lang="en-US" dirty="0">
+                <a:solidFill>
+                  <a:schemeClr val="tx1"/>
+                </a:solidFill>
+              </a:rPr>
+              <a:t>2</a:t>
+            </a:r>
+            <a:endParaRPr lang="en-US" dirty="0"/>
+          </a:p>
+        </p:txBody>
+      </p:sp>
+      <p:sp>
+        <p:nvSpPr>
+          <p:cNvPr id="41" name="Oval 40">
+            <a:extLst>
+              <a:ext uri="{FF2B5EF4-FFF2-40B4-BE49-F238E27FC236}">
+                <a16:creationId xmlns:a16="http://schemas.microsoft.com/office/drawing/2014/main" id="{36B3EB41-82B2-F53F-43B2-265127B85315}"/>
+              </a:ext>
+            </a:extLst>
+          </p:cNvPr>
+          <p:cNvSpPr/>
+          <p:nvPr/>
+        </p:nvSpPr>
+        <p:spPr>
+          <a:xfrm>
+            <a:off x="10659907" y="1711896"/>
+            <a:ext cx="386208" cy="386208"/>
+          </a:xfrm>
+          <a:prstGeom prst="ellipse">
+            <a:avLst/>
+          </a:prstGeom>
+          <a:solidFill>
+            <a:schemeClr val="bg1"/>
+          </a:solidFill>
+          <a:ln w="19050">
+            <a:solidFill>
+              <a:schemeClr val="tx1"/>
+            </a:solidFill>
+          </a:ln>
+          <a:effectLst>
+            <a:outerShdw blurRad="50800" dist="38100" dir="2700000" algn="tl" rotWithShape="0">
+              <a:prstClr val="black">
+                <a:alpha val="40000"/>
+              </a:prstClr>
+            </a:outerShdw>
+          </a:effectLst>
+        </p:spPr>
+        <p:style>
+          <a:lnRef idx="2">
+            <a:schemeClr val="accent1">
+              <a:shade val="50000"/>
+            </a:schemeClr>
+          </a:lnRef>
+          <a:fillRef idx="1">
+            <a:schemeClr val="accent1"/>
+          </a:fillRef>
+          <a:effectRef idx="0">
+            <a:schemeClr val="accent1"/>
+          </a:effectRef>
+          <a:fontRef idx="minor">
+            <a:schemeClr val="lt1"/>
+          </a:fontRef>
+        </p:style>
+        <p:txBody>
+          <a:bodyPr rtlCol="0" anchor="ctr"/>
+          <a:lstStyle/>
+          <a:p>
+            <a:pPr algn="ctr"/>
+            <a:r>
+              <a:rPr lang="en-US" dirty="0">
+                <a:solidFill>
+                  <a:schemeClr val="tx1"/>
+                </a:solidFill>
+              </a:rPr>
+              <a:t>3</a:t>
+            </a:r>
+            <a:endParaRPr lang="en-US" dirty="0"/>
+          </a:p>
+        </p:txBody>
+      </p:sp>
+      <p:sp>
+        <p:nvSpPr>
+          <p:cNvPr id="42" name="Oval 41">
+            <a:extLst>
+              <a:ext uri="{FF2B5EF4-FFF2-40B4-BE49-F238E27FC236}">
+                <a16:creationId xmlns:a16="http://schemas.microsoft.com/office/drawing/2014/main" id="{B915696A-C22C-B814-58C0-BE2ADFF82084}"/>
+              </a:ext>
+            </a:extLst>
+          </p:cNvPr>
+          <p:cNvSpPr/>
+          <p:nvPr/>
+        </p:nvSpPr>
+        <p:spPr>
+          <a:xfrm>
+            <a:off x="13760558" y="1723218"/>
+            <a:ext cx="386208" cy="386208"/>
+          </a:xfrm>
+          <a:prstGeom prst="ellipse">
+            <a:avLst/>
+          </a:prstGeom>
+          <a:solidFill>
+            <a:schemeClr val="bg1"/>
+          </a:solidFill>
+          <a:ln w="19050">
+            <a:solidFill>
+              <a:schemeClr val="tx1"/>
+            </a:solidFill>
+          </a:ln>
+          <a:effectLst>
+            <a:outerShdw blurRad="50800" dist="38100" dir="2700000" algn="tl" rotWithShape="0">
+              <a:prstClr val="black">
+                <a:alpha val="40000"/>
+              </a:prstClr>
+            </a:outerShdw>
+          </a:effectLst>
+        </p:spPr>
+        <p:style>
+          <a:lnRef idx="2">
+            <a:schemeClr val="accent1">
+              <a:shade val="50000"/>
+            </a:schemeClr>
+          </a:lnRef>
+          <a:fillRef idx="1">
+            <a:schemeClr val="accent1"/>
+          </a:fillRef>
+          <a:effectRef idx="0">
+            <a:schemeClr val="accent1"/>
+          </a:effectRef>
+          <a:fontRef idx="minor">
+            <a:schemeClr val="lt1"/>
+          </a:fontRef>
+        </p:style>
+        <p:txBody>
+          <a:bodyPr rtlCol="0" anchor="ctr"/>
+          <a:lstStyle/>
+          <a:p>
+            <a:pPr algn="ctr"/>
+            <a:r>
+              <a:rPr lang="en-US" dirty="0">
+                <a:solidFill>
+                  <a:schemeClr val="tx1"/>
+                </a:solidFill>
+              </a:rPr>
+              <a:t>4</a:t>
+            </a:r>
+            <a:endParaRPr lang="en-US" dirty="0"/>
+          </a:p>
+        </p:txBody>
+      </p:sp>
     </p:spTree>
     <p:extLst>
       <p:ext uri="{BB962C8B-B14F-4D97-AF65-F5344CB8AC3E}">

--- a/doc/diagrams.pptx
+++ b/doc/diagrams.pptx
@@ -5060,6 +5060,75 @@
           </a:p>
         </p:txBody>
       </p:sp>
+      <p:sp>
+        <p:nvSpPr>
+          <p:cNvPr id="44" name="Oval 43">
+            <a:extLst>
+              <a:ext uri="{FF2B5EF4-FFF2-40B4-BE49-F238E27FC236}">
+                <a16:creationId xmlns:a16="http://schemas.microsoft.com/office/drawing/2014/main" id="{C13AE9B9-B317-7D0A-E076-4548FA81237F}"/>
+              </a:ext>
+            </a:extLst>
+          </p:cNvPr>
+          <p:cNvSpPr/>
+          <p:nvPr/>
+        </p:nvSpPr>
+        <p:spPr>
+          <a:xfrm>
+            <a:off x="15418009" y="4525401"/>
+            <a:ext cx="386208" cy="386208"/>
+          </a:xfrm>
+          <a:prstGeom prst="ellipse">
+            <a:avLst/>
+          </a:prstGeom>
+          <a:solidFill>
+            <a:schemeClr val="bg1"/>
+          </a:solidFill>
+          <a:ln w="19050">
+            <a:solidFill>
+              <a:schemeClr val="tx1"/>
+            </a:solidFill>
+          </a:ln>
+          <a:effectLst>
+            <a:outerShdw blurRad="50800" dist="38100" dir="2700000" algn="tl" rotWithShape="0">
+              <a:prstClr val="black">
+                <a:alpha val="40000"/>
+              </a:prstClr>
+            </a:outerShdw>
+          </a:effectLst>
+        </p:spPr>
+        <p:style>
+          <a:lnRef idx="2">
+            <a:schemeClr val="accent1">
+              <a:shade val="50000"/>
+            </a:schemeClr>
+          </a:lnRef>
+          <a:fillRef idx="1">
+            <a:schemeClr val="accent1"/>
+          </a:fillRef>
+          <a:effectRef idx="0">
+            <a:schemeClr val="accent1"/>
+          </a:effectRef>
+          <a:fontRef idx="minor">
+            <a:schemeClr val="lt1"/>
+          </a:fontRef>
+        </p:style>
+        <p:txBody>
+          <a:bodyPr rtlCol="0" anchor="ctr"/>
+          <a:lstStyle/>
+          <a:p>
+            <a:pPr algn="ctr"/>
+            <a:r>
+              <a:rPr lang="en-US" dirty="0">
+                <a:solidFill>
+                  <a:schemeClr val="tx1"/>
+                </a:solidFill>
+              </a:rPr>
+              <a:t>5</a:t>
+            </a:r>
+            <a:endParaRPr lang="en-US" dirty="0"/>
+          </a:p>
+        </p:txBody>
+      </p:sp>
     </p:spTree>
     <p:extLst>
       <p:ext uri="{BB962C8B-B14F-4D97-AF65-F5344CB8AC3E}">
